--- a/devdoc/img_src/tlsio_state_diagram.pptx
+++ b/devdoc/img_src/tlsio_state_diagram.pptx
@@ -288,7 +288,7 @@
           <a:p>
             <a:fld id="{A1593028-A0CA-48C1-B651-1C34254183FB}" type="datetimeFigureOut">
               <a:rPr lang="en-US" smtClean="0"/>
-              <a:t>5/27/2017</a:t>
+              <a:t>5/31/2017</a:t>
             </a:fld>
             <a:endParaRPr lang="en-US"/>
           </a:p>
@@ -458,7 +458,7 @@
           <a:p>
             <a:fld id="{A1593028-A0CA-48C1-B651-1C34254183FB}" type="datetimeFigureOut">
               <a:rPr lang="en-US" smtClean="0"/>
-              <a:t>5/27/2017</a:t>
+              <a:t>5/31/2017</a:t>
             </a:fld>
             <a:endParaRPr lang="en-US"/>
           </a:p>
@@ -638,7 +638,7 @@
           <a:p>
             <a:fld id="{A1593028-A0CA-48C1-B651-1C34254183FB}" type="datetimeFigureOut">
               <a:rPr lang="en-US" smtClean="0"/>
-              <a:t>5/27/2017</a:t>
+              <a:t>5/31/2017</a:t>
             </a:fld>
             <a:endParaRPr lang="en-US"/>
           </a:p>
@@ -808,7 +808,7 @@
           <a:p>
             <a:fld id="{A1593028-A0CA-48C1-B651-1C34254183FB}" type="datetimeFigureOut">
               <a:rPr lang="en-US" smtClean="0"/>
-              <a:t>5/27/2017</a:t>
+              <a:t>5/31/2017</a:t>
             </a:fld>
             <a:endParaRPr lang="en-US"/>
           </a:p>
@@ -1054,7 +1054,7 @@
           <a:p>
             <a:fld id="{A1593028-A0CA-48C1-B651-1C34254183FB}" type="datetimeFigureOut">
               <a:rPr lang="en-US" smtClean="0"/>
-              <a:t>5/27/2017</a:t>
+              <a:t>5/31/2017</a:t>
             </a:fld>
             <a:endParaRPr lang="en-US"/>
           </a:p>
@@ -1342,7 +1342,7 @@
           <a:p>
             <a:fld id="{A1593028-A0CA-48C1-B651-1C34254183FB}" type="datetimeFigureOut">
               <a:rPr lang="en-US" smtClean="0"/>
-              <a:t>5/27/2017</a:t>
+              <a:t>5/31/2017</a:t>
             </a:fld>
             <a:endParaRPr lang="en-US"/>
           </a:p>
@@ -1769,7 +1769,7 @@
           <a:p>
             <a:fld id="{A1593028-A0CA-48C1-B651-1C34254183FB}" type="datetimeFigureOut">
               <a:rPr lang="en-US" smtClean="0"/>
-              <a:t>5/27/2017</a:t>
+              <a:t>5/31/2017</a:t>
             </a:fld>
             <a:endParaRPr lang="en-US"/>
           </a:p>
@@ -1887,7 +1887,7 @@
           <a:p>
             <a:fld id="{A1593028-A0CA-48C1-B651-1C34254183FB}" type="datetimeFigureOut">
               <a:rPr lang="en-US" smtClean="0"/>
-              <a:t>5/27/2017</a:t>
+              <a:t>5/31/2017</a:t>
             </a:fld>
             <a:endParaRPr lang="en-US"/>
           </a:p>
@@ -1982,7 +1982,7 @@
           <a:p>
             <a:fld id="{A1593028-A0CA-48C1-B651-1C34254183FB}" type="datetimeFigureOut">
               <a:rPr lang="en-US" smtClean="0"/>
-              <a:t>5/27/2017</a:t>
+              <a:t>5/31/2017</a:t>
             </a:fld>
             <a:endParaRPr lang="en-US"/>
           </a:p>
@@ -2259,7 +2259,7 @@
           <a:p>
             <a:fld id="{A1593028-A0CA-48C1-B651-1C34254183FB}" type="datetimeFigureOut">
               <a:rPr lang="en-US" smtClean="0"/>
-              <a:t>5/27/2017</a:t>
+              <a:t>5/31/2017</a:t>
             </a:fld>
             <a:endParaRPr lang="en-US"/>
           </a:p>
@@ -2512,7 +2512,7 @@
           <a:p>
             <a:fld id="{A1593028-A0CA-48C1-B651-1C34254183FB}" type="datetimeFigureOut">
               <a:rPr lang="en-US" smtClean="0"/>
-              <a:t>5/27/2017</a:t>
+              <a:t>5/31/2017</a:t>
             </a:fld>
             <a:endParaRPr lang="en-US"/>
           </a:p>
@@ -2725,7 +2725,7 @@
           <a:p>
             <a:fld id="{A1593028-A0CA-48C1-B651-1C34254183FB}" type="datetimeFigureOut">
               <a:rPr lang="en-US" smtClean="0"/>
-              <a:t>5/27/2017</a:t>
+              <a:t>5/31/2017</a:t>
             </a:fld>
             <a:endParaRPr lang="en-US"/>
           </a:p>
@@ -3645,8 +3645,8 @@
         </p:nvSpPr>
         <p:spPr>
           <a:xfrm>
-            <a:off x="762000" y="750397"/>
-            <a:ext cx="1440601" cy="324615"/>
+            <a:off x="457200" y="750397"/>
+            <a:ext cx="1782041" cy="324615"/>
           </a:xfrm>
           <a:prstGeom prst="rect">
             <a:avLst/>
@@ -3665,7 +3665,7 @@
             </a:r>
             <a:r>
               <a:rPr lang="en-US" sz="1200" dirty="0" err="1" smtClean="0"/>
-              <a:t>dowork</a:t>
+              <a:t>tlsio_dowork</a:t>
             </a:r>
             <a:r>
               <a:rPr lang="en-US" sz="1200" dirty="0" smtClean="0"/>
@@ -3748,8 +3748,8 @@
         </p:nvSpPr>
         <p:spPr>
           <a:xfrm>
-            <a:off x="983207" y="2132279"/>
-            <a:ext cx="598897" cy="324615"/>
+            <a:off x="838200" y="2132279"/>
+            <a:ext cx="828126" cy="293838"/>
           </a:xfrm>
           <a:prstGeom prst="rect">
             <a:avLst/>
@@ -3763,9 +3763,10 @@
           <a:lstStyle/>
           <a:p>
             <a:r>
-              <a:rPr lang="en-US" sz="1200" dirty="0"/>
-              <a:t>open</a:t>
-            </a:r>
+              <a:rPr lang="en-US" sz="1000" dirty="0" err="1" smtClean="0"/>
+              <a:t>tlsio_open</a:t>
+            </a:r>
+            <a:endParaRPr lang="en-US" sz="1000" dirty="0"/>
           </a:p>
         </p:txBody>
       </p:sp>
@@ -3777,8 +3778,8 @@
         </p:nvSpPr>
         <p:spPr>
           <a:xfrm>
-            <a:off x="2585030" y="2132279"/>
-            <a:ext cx="755607" cy="324615"/>
+            <a:off x="2471030" y="2133600"/>
+            <a:ext cx="957970" cy="293838"/>
           </a:xfrm>
           <a:prstGeom prst="rect">
             <a:avLst/>
@@ -3792,10 +3793,10 @@
           <a:lstStyle/>
           <a:p>
             <a:r>
-              <a:rPr lang="en-US" sz="1200" dirty="0" err="1" smtClean="0"/>
-              <a:t>dowork</a:t>
-            </a:r>
-            <a:endParaRPr lang="en-US" sz="1200" dirty="0"/>
+              <a:rPr lang="en-US" sz="1000" dirty="0" err="1" smtClean="0"/>
+              <a:t>tlsio_dowork</a:t>
+            </a:r>
+            <a:endParaRPr lang="en-US" sz="1000" dirty="0"/>
           </a:p>
         </p:txBody>
       </p:sp>
@@ -3808,7 +3809,7 @@
         <p:spPr>
           <a:xfrm>
             <a:off x="5652655" y="1065479"/>
-            <a:ext cx="755607" cy="324615"/>
+            <a:ext cx="957970" cy="293838"/>
           </a:xfrm>
           <a:prstGeom prst="rect">
             <a:avLst/>
@@ -3822,10 +3823,10 @@
           <a:lstStyle/>
           <a:p>
             <a:r>
-              <a:rPr lang="en-US" sz="1200" dirty="0" err="1"/>
-              <a:t>dowork</a:t>
-            </a:r>
-            <a:endParaRPr lang="en-US" sz="1200" dirty="0"/>
+              <a:rPr lang="en-US" sz="1000" dirty="0" err="1" smtClean="0"/>
+              <a:t>tlsio_dowork</a:t>
+            </a:r>
+            <a:endParaRPr lang="en-US" sz="1000" dirty="0"/>
           </a:p>
         </p:txBody>
       </p:sp>
@@ -3838,7 +3839,7 @@
         <p:spPr>
           <a:xfrm>
             <a:off x="4187250" y="2132279"/>
-            <a:ext cx="600500" cy="324615"/>
+            <a:ext cx="826523" cy="293838"/>
           </a:xfrm>
           <a:prstGeom prst="rect">
             <a:avLst/>
@@ -3852,9 +3853,10 @@
           <a:lstStyle/>
           <a:p>
             <a:r>
-              <a:rPr lang="en-US" sz="1200" dirty="0"/>
-              <a:t>close</a:t>
-            </a:r>
+              <a:rPr lang="en-US" sz="1000" dirty="0" err="1" smtClean="0"/>
+              <a:t>tlsio_close</a:t>
+            </a:r>
+            <a:endParaRPr lang="en-US" sz="1000" dirty="0"/>
           </a:p>
         </p:txBody>
       </p:sp>
@@ -4001,8 +4003,8 @@
         </p:nvSpPr>
         <p:spPr>
           <a:xfrm>
-            <a:off x="4211782" y="1065479"/>
-            <a:ext cx="600500" cy="324615"/>
+            <a:off x="3962400" y="1065479"/>
+            <a:ext cx="826523" cy="293838"/>
           </a:xfrm>
           <a:prstGeom prst="rect">
             <a:avLst/>
@@ -4016,9 +4018,10 @@
           <a:lstStyle/>
           <a:p>
             <a:r>
-              <a:rPr lang="en-US" sz="1200" dirty="0"/>
-              <a:t>close</a:t>
-            </a:r>
+              <a:rPr lang="en-US" sz="1000" dirty="0" err="1" smtClean="0"/>
+              <a:t>tlsio_close</a:t>
+            </a:r>
+            <a:endParaRPr lang="en-US" sz="1000" dirty="0"/>
           </a:p>
         </p:txBody>
       </p:sp>
@@ -4129,8 +4132,8 @@
         </p:nvSpPr>
         <p:spPr>
           <a:xfrm>
-            <a:off x="1727201" y="2701288"/>
-            <a:ext cx="755607" cy="324615"/>
+            <a:off x="1600200" y="2754162"/>
+            <a:ext cx="957970" cy="293838"/>
           </a:xfrm>
           <a:prstGeom prst="rect">
             <a:avLst/>
@@ -4144,10 +4147,10 @@
           <a:lstStyle/>
           <a:p>
             <a:r>
-              <a:rPr lang="en-US" sz="1200" dirty="0" err="1" smtClean="0"/>
-              <a:t>dowork</a:t>
-            </a:r>
-            <a:endParaRPr lang="en-US" sz="1200" dirty="0"/>
+              <a:rPr lang="en-US" sz="1000" dirty="0" err="1"/>
+              <a:t>tlsio_dowork</a:t>
+            </a:r>
+            <a:endParaRPr lang="en-US" sz="1000" dirty="0"/>
           </a:p>
         </p:txBody>
       </p:sp>
@@ -4258,8 +4261,8 @@
         </p:nvSpPr>
         <p:spPr>
           <a:xfrm>
-            <a:off x="3740193" y="4602799"/>
-            <a:ext cx="755607" cy="324615"/>
+            <a:off x="3657600" y="4648200"/>
+            <a:ext cx="957970" cy="293838"/>
           </a:xfrm>
           <a:prstGeom prst="rect">
             <a:avLst/>
@@ -4273,10 +4276,10 @@
           <a:lstStyle/>
           <a:p>
             <a:r>
-              <a:rPr lang="en-US" sz="1200" dirty="0" err="1" smtClean="0"/>
-              <a:t>dowork</a:t>
-            </a:r>
-            <a:endParaRPr lang="en-US" sz="1200" dirty="0"/>
+              <a:rPr lang="en-US" sz="1000" dirty="0" err="1"/>
+              <a:t>tlsio_dowork</a:t>
+            </a:r>
+            <a:endParaRPr lang="en-US" sz="1000" dirty="0"/>
           </a:p>
         </p:txBody>
       </p:sp>
@@ -4387,8 +4390,8 @@
         </p:nvSpPr>
         <p:spPr>
           <a:xfrm>
-            <a:off x="152400" y="2697799"/>
-            <a:ext cx="755607" cy="324615"/>
+            <a:off x="76200" y="2754162"/>
+            <a:ext cx="957970" cy="293838"/>
           </a:xfrm>
           <a:prstGeom prst="rect">
             <a:avLst/>
@@ -4402,10 +4405,10 @@
           <a:lstStyle/>
           <a:p>
             <a:r>
-              <a:rPr lang="en-US" sz="1200" dirty="0" err="1" smtClean="0"/>
-              <a:t>dowork</a:t>
-            </a:r>
-            <a:endParaRPr lang="en-US" sz="1200" dirty="0"/>
+              <a:rPr lang="en-US" sz="1000" dirty="0" err="1"/>
+              <a:t>tlsio_dowork</a:t>
+            </a:r>
+            <a:endParaRPr lang="en-US" sz="1000" dirty="0"/>
           </a:p>
         </p:txBody>
       </p:sp>
@@ -4516,8 +4519,8 @@
         </p:nvSpPr>
         <p:spPr>
           <a:xfrm>
-            <a:off x="3359193" y="2697799"/>
-            <a:ext cx="755607" cy="324615"/>
+            <a:off x="3156830" y="2754162"/>
+            <a:ext cx="957970" cy="293838"/>
           </a:xfrm>
           <a:prstGeom prst="rect">
             <a:avLst/>
@@ -4531,10 +4534,10 @@
           <a:lstStyle/>
           <a:p>
             <a:r>
-              <a:rPr lang="en-US" sz="1200" dirty="0" err="1" smtClean="0"/>
-              <a:t>dowork</a:t>
-            </a:r>
-            <a:endParaRPr lang="en-US" sz="1200" dirty="0"/>
+              <a:rPr lang="en-US" sz="1000" dirty="0" err="1"/>
+              <a:t>tlsio_dowork</a:t>
+            </a:r>
+            <a:endParaRPr lang="en-US" sz="1000" dirty="0"/>
           </a:p>
         </p:txBody>
       </p:sp>
@@ -4774,8 +4777,8 @@
         </p:nvSpPr>
         <p:spPr>
           <a:xfrm>
-            <a:off x="6483393" y="2697799"/>
-            <a:ext cx="755607" cy="324615"/>
+            <a:off x="6324600" y="2723385"/>
+            <a:ext cx="957970" cy="293838"/>
           </a:xfrm>
           <a:prstGeom prst="rect">
             <a:avLst/>
@@ -4789,10 +4792,10 @@
           <a:lstStyle/>
           <a:p>
             <a:r>
-              <a:rPr lang="en-US" sz="1200" dirty="0" err="1" smtClean="0"/>
-              <a:t>dowork</a:t>
-            </a:r>
-            <a:endParaRPr lang="en-US" sz="1200" dirty="0"/>
+              <a:rPr lang="en-US" sz="1000" dirty="0" err="1"/>
+              <a:t>tlsio_dowork</a:t>
+            </a:r>
+            <a:endParaRPr lang="en-US" sz="1000" dirty="0"/>
           </a:p>
         </p:txBody>
       </p:sp>
@@ -4840,7 +4843,7 @@
         <p:spPr>
           <a:xfrm>
             <a:off x="4581100" y="4037279"/>
-            <a:ext cx="600500" cy="324615"/>
+            <a:ext cx="826523" cy="293838"/>
           </a:xfrm>
           <a:prstGeom prst="rect">
             <a:avLst/>
@@ -4854,9 +4857,10 @@
           <a:lstStyle/>
           <a:p>
             <a:r>
-              <a:rPr lang="en-US" sz="1200" dirty="0"/>
-              <a:t>close</a:t>
-            </a:r>
+              <a:rPr lang="en-US" sz="1000" dirty="0" err="1" smtClean="0"/>
+              <a:t>tlsio_close</a:t>
+            </a:r>
+            <a:endParaRPr lang="en-US" sz="1000" dirty="0"/>
           </a:p>
         </p:txBody>
       </p:sp>

--- a/devdoc/img_src/tlsio_state_diagram.pptx
+++ b/devdoc/img_src/tlsio_state_diagram.pptx
@@ -4,6 +4,9 @@
   <p:sldMasterIdLst>
     <p:sldMasterId id="2147483648" r:id="rId1"/>
   </p:sldMasterIdLst>
+  <p:notesMasterIdLst>
+    <p:notesMasterId r:id="rId3"/>
+  </p:notesMasterIdLst>
   <p:sldIdLst>
     <p:sldId id="256" r:id="rId2"/>
   </p:sldIdLst>
@@ -104,7 +107,457 @@
       </a:defRPr>
     </a:lvl9pPr>
   </p:defaultTextStyle>
+  <p:extLst>
+    <p:ext uri="{EFAFB233-063F-42B5-8137-9DF3F51BA10A}">
+      <p15:sldGuideLst xmlns:p15="http://schemas.microsoft.com/office/powerpoint/2012/main">
+        <p15:guide id="1" orient="horz" pos="1584">
+          <p15:clr>
+            <a:srgbClr val="A4A3A4"/>
+          </p15:clr>
+        </p15:guide>
+        <p15:guide id="2" pos="2304">
+          <p15:clr>
+            <a:srgbClr val="A4A3A4"/>
+          </p15:clr>
+        </p15:guide>
+      </p15:sldGuideLst>
+    </p:ext>
+  </p:extLst>
 </p:presentation>
+</file>
+
+<file path=ppt/notesMasters/notesMaster1.xml><?xml version="1.0" encoding="utf-8"?>
+<p:notesMaster xmlns:a="http://schemas.openxmlformats.org/drawingml/2006/main" xmlns:r="http://schemas.openxmlformats.org/officeDocument/2006/relationships" xmlns:p="http://schemas.openxmlformats.org/presentationml/2006/main">
+  <p:cSld>
+    <p:bg>
+      <p:bgRef idx="1001">
+        <a:schemeClr val="bg1"/>
+      </p:bgRef>
+    </p:bg>
+    <p:spTree>
+      <p:nvGrpSpPr>
+        <p:cNvPr id="1" name=""/>
+        <p:cNvGrpSpPr/>
+        <p:nvPr/>
+      </p:nvGrpSpPr>
+      <p:grpSpPr>
+        <a:xfrm>
+          <a:off x="0" y="0"/>
+          <a:ext cx="0" cy="0"/>
+          <a:chOff x="0" y="0"/>
+          <a:chExt cx="0" cy="0"/>
+        </a:xfrm>
+      </p:grpSpPr>
+      <p:sp>
+        <p:nvSpPr>
+          <p:cNvPr id="2" name="Header Placeholder 1"/>
+          <p:cNvSpPr>
+            <a:spLocks noGrp="1"/>
+          </p:cNvSpPr>
+          <p:nvPr>
+            <p:ph type="hdr" sz="quarter"/>
+          </p:nvPr>
+        </p:nvSpPr>
+        <p:spPr>
+          <a:xfrm>
+            <a:off x="0" y="0"/>
+            <a:ext cx="2971800" cy="458788"/>
+          </a:xfrm>
+          <a:prstGeom prst="rect">
+            <a:avLst/>
+          </a:prstGeom>
+        </p:spPr>
+        <p:txBody>
+          <a:bodyPr vert="horz" lIns="91440" tIns="45720" rIns="91440" bIns="45720" rtlCol="0"/>
+          <a:lstStyle>
+            <a:lvl1pPr algn="l">
+              <a:defRPr sz="1200"/>
+            </a:lvl1pPr>
+          </a:lstStyle>
+          <a:p>
+            <a:endParaRPr lang="en-US"/>
+          </a:p>
+        </p:txBody>
+      </p:sp>
+      <p:sp>
+        <p:nvSpPr>
+          <p:cNvPr id="3" name="Date Placeholder 2"/>
+          <p:cNvSpPr>
+            <a:spLocks noGrp="1"/>
+          </p:cNvSpPr>
+          <p:nvPr>
+            <p:ph type="dt" idx="1"/>
+          </p:nvPr>
+        </p:nvSpPr>
+        <p:spPr>
+          <a:xfrm>
+            <a:off x="3884613" y="0"/>
+            <a:ext cx="2971800" cy="458788"/>
+          </a:xfrm>
+          <a:prstGeom prst="rect">
+            <a:avLst/>
+          </a:prstGeom>
+        </p:spPr>
+        <p:txBody>
+          <a:bodyPr vert="horz" lIns="91440" tIns="45720" rIns="91440" bIns="45720" rtlCol="0"/>
+          <a:lstStyle>
+            <a:lvl1pPr algn="r">
+              <a:defRPr sz="1200"/>
+            </a:lvl1pPr>
+          </a:lstStyle>
+          <a:p>
+            <a:fld id="{2371847F-0A10-4AA3-BD19-742881361DEA}" type="datetimeFigureOut">
+              <a:rPr lang="en-US" smtClean="0"/>
+              <a:t>6/2/2017</a:t>
+            </a:fld>
+            <a:endParaRPr lang="en-US"/>
+          </a:p>
+        </p:txBody>
+      </p:sp>
+      <p:sp>
+        <p:nvSpPr>
+          <p:cNvPr id="4" name="Slide Image Placeholder 3"/>
+          <p:cNvSpPr>
+            <a:spLocks noGrp="1" noRot="1" noChangeAspect="1"/>
+          </p:cNvSpPr>
+          <p:nvPr>
+            <p:ph type="sldImg" idx="2"/>
+          </p:nvPr>
+        </p:nvSpPr>
+        <p:spPr>
+          <a:xfrm>
+            <a:off x="1184275" y="1143000"/>
+            <a:ext cx="4489450" cy="3086100"/>
+          </a:xfrm>
+          <a:prstGeom prst="rect">
+            <a:avLst/>
+          </a:prstGeom>
+          <a:noFill/>
+          <a:ln w="12700">
+            <a:solidFill>
+              <a:prstClr val="black"/>
+            </a:solidFill>
+          </a:ln>
+        </p:spPr>
+        <p:txBody>
+          <a:bodyPr vert="horz" lIns="91440" tIns="45720" rIns="91440" bIns="45720" rtlCol="0" anchor="ctr"/>
+          <a:lstStyle/>
+          <a:p>
+            <a:endParaRPr lang="en-US"/>
+          </a:p>
+        </p:txBody>
+      </p:sp>
+      <p:sp>
+        <p:nvSpPr>
+          <p:cNvPr id="5" name="Notes Placeholder 4"/>
+          <p:cNvSpPr>
+            <a:spLocks noGrp="1"/>
+          </p:cNvSpPr>
+          <p:nvPr>
+            <p:ph type="body" sz="quarter" idx="3"/>
+          </p:nvPr>
+        </p:nvSpPr>
+        <p:spPr>
+          <a:xfrm>
+            <a:off x="685800" y="4400550"/>
+            <a:ext cx="5486400" cy="3600450"/>
+          </a:xfrm>
+          <a:prstGeom prst="rect">
+            <a:avLst/>
+          </a:prstGeom>
+        </p:spPr>
+        <p:txBody>
+          <a:bodyPr vert="horz" lIns="91440" tIns="45720" rIns="91440" bIns="45720" rtlCol="0"/>
+          <a:lstStyle/>
+          <a:p>
+            <a:pPr lvl="0"/>
+            <a:r>
+              <a:rPr lang="en-US"/>
+              <a:t>Edit Master text styles</a:t>
+            </a:r>
+          </a:p>
+          <a:p>
+            <a:pPr lvl="1"/>
+            <a:r>
+              <a:rPr lang="en-US"/>
+              <a:t>Second level</a:t>
+            </a:r>
+          </a:p>
+          <a:p>
+            <a:pPr lvl="2"/>
+            <a:r>
+              <a:rPr lang="en-US"/>
+              <a:t>Third level</a:t>
+            </a:r>
+          </a:p>
+          <a:p>
+            <a:pPr lvl="3"/>
+            <a:r>
+              <a:rPr lang="en-US"/>
+              <a:t>Fourth level</a:t>
+            </a:r>
+          </a:p>
+          <a:p>
+            <a:pPr lvl="4"/>
+            <a:r>
+              <a:rPr lang="en-US"/>
+              <a:t>Fifth level</a:t>
+            </a:r>
+            <a:endParaRPr lang="en-US"/>
+          </a:p>
+        </p:txBody>
+      </p:sp>
+      <p:sp>
+        <p:nvSpPr>
+          <p:cNvPr id="6" name="Footer Placeholder 5"/>
+          <p:cNvSpPr>
+            <a:spLocks noGrp="1"/>
+          </p:cNvSpPr>
+          <p:nvPr>
+            <p:ph type="ftr" sz="quarter" idx="4"/>
+          </p:nvPr>
+        </p:nvSpPr>
+        <p:spPr>
+          <a:xfrm>
+            <a:off x="0" y="8685213"/>
+            <a:ext cx="2971800" cy="458787"/>
+          </a:xfrm>
+          <a:prstGeom prst="rect">
+            <a:avLst/>
+          </a:prstGeom>
+        </p:spPr>
+        <p:txBody>
+          <a:bodyPr vert="horz" lIns="91440" tIns="45720" rIns="91440" bIns="45720" rtlCol="0" anchor="b"/>
+          <a:lstStyle>
+            <a:lvl1pPr algn="l">
+              <a:defRPr sz="1200"/>
+            </a:lvl1pPr>
+          </a:lstStyle>
+          <a:p>
+            <a:endParaRPr lang="en-US"/>
+          </a:p>
+        </p:txBody>
+      </p:sp>
+      <p:sp>
+        <p:nvSpPr>
+          <p:cNvPr id="7" name="Slide Number Placeholder 6"/>
+          <p:cNvSpPr>
+            <a:spLocks noGrp="1"/>
+          </p:cNvSpPr>
+          <p:nvPr>
+            <p:ph type="sldNum" sz="quarter" idx="5"/>
+          </p:nvPr>
+        </p:nvSpPr>
+        <p:spPr>
+          <a:xfrm>
+            <a:off x="3884613" y="8685213"/>
+            <a:ext cx="2971800" cy="458787"/>
+          </a:xfrm>
+          <a:prstGeom prst="rect">
+            <a:avLst/>
+          </a:prstGeom>
+        </p:spPr>
+        <p:txBody>
+          <a:bodyPr vert="horz" lIns="91440" tIns="45720" rIns="91440" bIns="45720" rtlCol="0" anchor="b"/>
+          <a:lstStyle>
+            <a:lvl1pPr algn="r">
+              <a:defRPr sz="1200"/>
+            </a:lvl1pPr>
+          </a:lstStyle>
+          <a:p>
+            <a:fld id="{AF045039-144B-4479-8631-CCA9DDE8F73F}" type="slidenum">
+              <a:rPr lang="en-US" smtClean="0"/>
+              <a:t>‹#›</a:t>
+            </a:fld>
+            <a:endParaRPr lang="en-US"/>
+          </a:p>
+        </p:txBody>
+      </p:sp>
+    </p:spTree>
+    <p:extLst>
+      <p:ext uri="{BB962C8B-B14F-4D97-AF65-F5344CB8AC3E}">
+        <p14:creationId xmlns:p14="http://schemas.microsoft.com/office/powerpoint/2010/main" val="3171214277"/>
+      </p:ext>
+    </p:extLst>
+  </p:cSld>
+  <p:clrMap bg1="lt1" tx1="dk1" bg2="lt2" tx2="dk2" accent1="accent1" accent2="accent2" accent3="accent3" accent4="accent4" accent5="accent5" accent6="accent6" hlink="hlink" folHlink="folHlink"/>
+  <p:notesStyle>
+    <a:lvl1pPr marL="0" algn="l" defTabSz="914400" rtl="0" eaLnBrk="1" latinLnBrk="0" hangingPunct="1">
+      <a:defRPr sz="1200" kern="1200">
+        <a:solidFill>
+          <a:schemeClr val="tx1"/>
+        </a:solidFill>
+        <a:latin typeface="+mn-lt"/>
+        <a:ea typeface="+mn-ea"/>
+        <a:cs typeface="+mn-cs"/>
+      </a:defRPr>
+    </a:lvl1pPr>
+    <a:lvl2pPr marL="457200" algn="l" defTabSz="914400" rtl="0" eaLnBrk="1" latinLnBrk="0" hangingPunct="1">
+      <a:defRPr sz="1200" kern="1200">
+        <a:solidFill>
+          <a:schemeClr val="tx1"/>
+        </a:solidFill>
+        <a:latin typeface="+mn-lt"/>
+        <a:ea typeface="+mn-ea"/>
+        <a:cs typeface="+mn-cs"/>
+      </a:defRPr>
+    </a:lvl2pPr>
+    <a:lvl3pPr marL="914400" algn="l" defTabSz="914400" rtl="0" eaLnBrk="1" latinLnBrk="0" hangingPunct="1">
+      <a:defRPr sz="1200" kern="1200">
+        <a:solidFill>
+          <a:schemeClr val="tx1"/>
+        </a:solidFill>
+        <a:latin typeface="+mn-lt"/>
+        <a:ea typeface="+mn-ea"/>
+        <a:cs typeface="+mn-cs"/>
+      </a:defRPr>
+    </a:lvl3pPr>
+    <a:lvl4pPr marL="1371600" algn="l" defTabSz="914400" rtl="0" eaLnBrk="1" latinLnBrk="0" hangingPunct="1">
+      <a:defRPr sz="1200" kern="1200">
+        <a:solidFill>
+          <a:schemeClr val="tx1"/>
+        </a:solidFill>
+        <a:latin typeface="+mn-lt"/>
+        <a:ea typeface="+mn-ea"/>
+        <a:cs typeface="+mn-cs"/>
+      </a:defRPr>
+    </a:lvl4pPr>
+    <a:lvl5pPr marL="1828800" algn="l" defTabSz="914400" rtl="0" eaLnBrk="1" latinLnBrk="0" hangingPunct="1">
+      <a:defRPr sz="1200" kern="1200">
+        <a:solidFill>
+          <a:schemeClr val="tx1"/>
+        </a:solidFill>
+        <a:latin typeface="+mn-lt"/>
+        <a:ea typeface="+mn-ea"/>
+        <a:cs typeface="+mn-cs"/>
+      </a:defRPr>
+    </a:lvl5pPr>
+    <a:lvl6pPr marL="2286000" algn="l" defTabSz="914400" rtl="0" eaLnBrk="1" latinLnBrk="0" hangingPunct="1">
+      <a:defRPr sz="1200" kern="1200">
+        <a:solidFill>
+          <a:schemeClr val="tx1"/>
+        </a:solidFill>
+        <a:latin typeface="+mn-lt"/>
+        <a:ea typeface="+mn-ea"/>
+        <a:cs typeface="+mn-cs"/>
+      </a:defRPr>
+    </a:lvl6pPr>
+    <a:lvl7pPr marL="2743200" algn="l" defTabSz="914400" rtl="0" eaLnBrk="1" latinLnBrk="0" hangingPunct="1">
+      <a:defRPr sz="1200" kern="1200">
+        <a:solidFill>
+          <a:schemeClr val="tx1"/>
+        </a:solidFill>
+        <a:latin typeface="+mn-lt"/>
+        <a:ea typeface="+mn-ea"/>
+        <a:cs typeface="+mn-cs"/>
+      </a:defRPr>
+    </a:lvl7pPr>
+    <a:lvl8pPr marL="3200400" algn="l" defTabSz="914400" rtl="0" eaLnBrk="1" latinLnBrk="0" hangingPunct="1">
+      <a:defRPr sz="1200" kern="1200">
+        <a:solidFill>
+          <a:schemeClr val="tx1"/>
+        </a:solidFill>
+        <a:latin typeface="+mn-lt"/>
+        <a:ea typeface="+mn-ea"/>
+        <a:cs typeface="+mn-cs"/>
+      </a:defRPr>
+    </a:lvl8pPr>
+    <a:lvl9pPr marL="3657600" algn="l" defTabSz="914400" rtl="0" eaLnBrk="1" latinLnBrk="0" hangingPunct="1">
+      <a:defRPr sz="1200" kern="1200">
+        <a:solidFill>
+          <a:schemeClr val="tx1"/>
+        </a:solidFill>
+        <a:latin typeface="+mn-lt"/>
+        <a:ea typeface="+mn-ea"/>
+        <a:cs typeface="+mn-cs"/>
+      </a:defRPr>
+    </a:lvl9pPr>
+  </p:notesStyle>
+</p:notesMaster>
+</file>
+
+<file path=ppt/notesSlides/notesSlide1.xml><?xml version="1.0" encoding="utf-8"?>
+<p:notes xmlns:a="http://schemas.openxmlformats.org/drawingml/2006/main" xmlns:r="http://schemas.openxmlformats.org/officeDocument/2006/relationships" xmlns:p="http://schemas.openxmlformats.org/presentationml/2006/main">
+  <p:cSld>
+    <p:spTree>
+      <p:nvGrpSpPr>
+        <p:cNvPr id="1" name=""/>
+        <p:cNvGrpSpPr/>
+        <p:nvPr/>
+      </p:nvGrpSpPr>
+      <p:grpSpPr>
+        <a:xfrm>
+          <a:off x="0" y="0"/>
+          <a:ext cx="0" cy="0"/>
+          <a:chOff x="0" y="0"/>
+          <a:chExt cx="0" cy="0"/>
+        </a:xfrm>
+      </p:grpSpPr>
+      <p:sp>
+        <p:nvSpPr>
+          <p:cNvPr id="2" name="Slide Image Placeholder 1"/>
+          <p:cNvSpPr>
+            <a:spLocks noGrp="1" noRot="1" noChangeAspect="1"/>
+          </p:cNvSpPr>
+          <p:nvPr>
+            <p:ph type="sldImg"/>
+          </p:nvPr>
+        </p:nvSpPr>
+        <p:spPr/>
+      </p:sp>
+      <p:sp>
+        <p:nvSpPr>
+          <p:cNvPr id="3" name="Notes Placeholder 2"/>
+          <p:cNvSpPr>
+            <a:spLocks noGrp="1"/>
+          </p:cNvSpPr>
+          <p:nvPr>
+            <p:ph type="body" idx="1"/>
+          </p:nvPr>
+        </p:nvSpPr>
+        <p:spPr/>
+        <p:txBody>
+          <a:bodyPr/>
+          <a:lstStyle/>
+          <a:p>
+            <a:endParaRPr lang="en-US"/>
+          </a:p>
+        </p:txBody>
+      </p:sp>
+      <p:sp>
+        <p:nvSpPr>
+          <p:cNvPr id="4" name="Slide Number Placeholder 3"/>
+          <p:cNvSpPr>
+            <a:spLocks noGrp="1"/>
+          </p:cNvSpPr>
+          <p:nvPr>
+            <p:ph type="sldNum" sz="quarter" idx="10"/>
+          </p:nvPr>
+        </p:nvSpPr>
+        <p:spPr/>
+        <p:txBody>
+          <a:bodyPr/>
+          <a:lstStyle/>
+          <a:p>
+            <a:fld id="{AF045039-144B-4479-8631-CCA9DDE8F73F}" type="slidenum">
+              <a:rPr lang="en-US" smtClean="0"/>
+              <a:t>1</a:t>
+            </a:fld>
+            <a:endParaRPr lang="en-US"/>
+          </a:p>
+        </p:txBody>
+      </p:sp>
+    </p:spTree>
+    <p:extLst>
+      <p:ext uri="{BB962C8B-B14F-4D97-AF65-F5344CB8AC3E}">
+        <p14:creationId xmlns:p14="http://schemas.microsoft.com/office/powerpoint/2010/main" val="2325113882"/>
+      </p:ext>
+    </p:extLst>
+  </p:cSld>
+  <p:clrMapOvr>
+    <a:masterClrMapping/>
+  </p:clrMapOvr>
+</p:notes>
 </file>
 
 <file path=ppt/slideLayouts/slideLayout1.xml><?xml version="1.0" encoding="utf-8"?>
@@ -145,10 +598,9 @@
           <a:lstStyle/>
           <a:p>
             <a:r>
-              <a:rPr lang="en-US" smtClean="0"/>
+              <a:rPr lang="en-US"/>
               <a:t>Click to edit Master title style</a:t>
             </a:r>
-            <a:endParaRPr lang="en-US"/>
           </a:p>
         </p:txBody>
       </p:sp>
@@ -264,10 +716,9 @@
           </a:lstStyle>
           <a:p>
             <a:r>
-              <a:rPr lang="en-US" smtClean="0"/>
+              <a:rPr lang="en-US"/>
               <a:t>Click to edit Master subtitle style</a:t>
             </a:r>
-            <a:endParaRPr lang="en-US"/>
           </a:p>
         </p:txBody>
       </p:sp>
@@ -288,7 +739,7 @@
           <a:p>
             <a:fld id="{A1593028-A0CA-48C1-B651-1C34254183FB}" type="datetimeFigureOut">
               <a:rPr lang="en-US" smtClean="0"/>
-              <a:t>5/31/2017</a:t>
+              <a:t>6/2/2017</a:t>
             </a:fld>
             <a:endParaRPr lang="en-US"/>
           </a:p>
@@ -382,10 +833,9 @@
           <a:lstStyle/>
           <a:p>
             <a:r>
-              <a:rPr lang="en-US" smtClean="0"/>
+              <a:rPr lang="en-US"/>
               <a:t>Click to edit Master title style</a:t>
             </a:r>
-            <a:endParaRPr lang="en-US"/>
           </a:p>
         </p:txBody>
       </p:sp>
@@ -406,38 +856,37 @@
           <a:p>
             <a:pPr lvl="0"/>
             <a:r>
-              <a:rPr lang="en-US" smtClean="0"/>
+              <a:rPr lang="en-US"/>
               <a:t>Click to edit Master text styles</a:t>
             </a:r>
           </a:p>
           <a:p>
             <a:pPr lvl="1"/>
             <a:r>
-              <a:rPr lang="en-US" smtClean="0"/>
+              <a:rPr lang="en-US"/>
               <a:t>Second level</a:t>
             </a:r>
           </a:p>
           <a:p>
             <a:pPr lvl="2"/>
             <a:r>
-              <a:rPr lang="en-US" smtClean="0"/>
+              <a:rPr lang="en-US"/>
               <a:t>Third level</a:t>
             </a:r>
           </a:p>
           <a:p>
             <a:pPr lvl="3"/>
             <a:r>
-              <a:rPr lang="en-US" smtClean="0"/>
+              <a:rPr lang="en-US"/>
               <a:t>Fourth level</a:t>
             </a:r>
           </a:p>
           <a:p>
             <a:pPr lvl="4"/>
             <a:r>
-              <a:rPr lang="en-US" smtClean="0"/>
+              <a:rPr lang="en-US"/>
               <a:t>Fifth level</a:t>
             </a:r>
-            <a:endParaRPr lang="en-US"/>
           </a:p>
         </p:txBody>
       </p:sp>
@@ -458,7 +907,7 @@
           <a:p>
             <a:fld id="{A1593028-A0CA-48C1-B651-1C34254183FB}" type="datetimeFigureOut">
               <a:rPr lang="en-US" smtClean="0"/>
-              <a:t>5/31/2017</a:t>
+              <a:t>6/2/2017</a:t>
             </a:fld>
             <a:endParaRPr lang="en-US"/>
           </a:p>
@@ -557,10 +1006,9 @@
           <a:lstStyle/>
           <a:p>
             <a:r>
-              <a:rPr lang="en-US" smtClean="0"/>
+              <a:rPr lang="en-US"/>
               <a:t>Click to edit Master title style</a:t>
             </a:r>
-            <a:endParaRPr lang="en-US"/>
           </a:p>
         </p:txBody>
       </p:sp>
@@ -586,38 +1034,37 @@
           <a:p>
             <a:pPr lvl="0"/>
             <a:r>
-              <a:rPr lang="en-US" smtClean="0"/>
+              <a:rPr lang="en-US"/>
               <a:t>Click to edit Master text styles</a:t>
             </a:r>
           </a:p>
           <a:p>
             <a:pPr lvl="1"/>
             <a:r>
-              <a:rPr lang="en-US" smtClean="0"/>
+              <a:rPr lang="en-US"/>
               <a:t>Second level</a:t>
             </a:r>
           </a:p>
           <a:p>
             <a:pPr lvl="2"/>
             <a:r>
-              <a:rPr lang="en-US" smtClean="0"/>
+              <a:rPr lang="en-US"/>
               <a:t>Third level</a:t>
             </a:r>
           </a:p>
           <a:p>
             <a:pPr lvl="3"/>
             <a:r>
-              <a:rPr lang="en-US" smtClean="0"/>
+              <a:rPr lang="en-US"/>
               <a:t>Fourth level</a:t>
             </a:r>
           </a:p>
           <a:p>
             <a:pPr lvl="4"/>
             <a:r>
-              <a:rPr lang="en-US" smtClean="0"/>
+              <a:rPr lang="en-US"/>
               <a:t>Fifth level</a:t>
             </a:r>
-            <a:endParaRPr lang="en-US"/>
           </a:p>
         </p:txBody>
       </p:sp>
@@ -638,7 +1085,7 @@
           <a:p>
             <a:fld id="{A1593028-A0CA-48C1-B651-1C34254183FB}" type="datetimeFigureOut">
               <a:rPr lang="en-US" smtClean="0"/>
-              <a:t>5/31/2017</a:t>
+              <a:t>6/2/2017</a:t>
             </a:fld>
             <a:endParaRPr lang="en-US"/>
           </a:p>
@@ -732,10 +1179,9 @@
           <a:lstStyle/>
           <a:p>
             <a:r>
-              <a:rPr lang="en-US" smtClean="0"/>
+              <a:rPr lang="en-US"/>
               <a:t>Click to edit Master title style</a:t>
             </a:r>
-            <a:endParaRPr lang="en-US"/>
           </a:p>
         </p:txBody>
       </p:sp>
@@ -756,38 +1202,37 @@
           <a:p>
             <a:pPr lvl="0"/>
             <a:r>
-              <a:rPr lang="en-US" smtClean="0"/>
+              <a:rPr lang="en-US"/>
               <a:t>Click to edit Master text styles</a:t>
             </a:r>
           </a:p>
           <a:p>
             <a:pPr lvl="1"/>
             <a:r>
-              <a:rPr lang="en-US" smtClean="0"/>
+              <a:rPr lang="en-US"/>
               <a:t>Second level</a:t>
             </a:r>
           </a:p>
           <a:p>
             <a:pPr lvl="2"/>
             <a:r>
-              <a:rPr lang="en-US" smtClean="0"/>
+              <a:rPr lang="en-US"/>
               <a:t>Third level</a:t>
             </a:r>
           </a:p>
           <a:p>
             <a:pPr lvl="3"/>
             <a:r>
-              <a:rPr lang="en-US" smtClean="0"/>
+              <a:rPr lang="en-US"/>
               <a:t>Fourth level</a:t>
             </a:r>
           </a:p>
           <a:p>
             <a:pPr lvl="4"/>
             <a:r>
-              <a:rPr lang="en-US" smtClean="0"/>
+              <a:rPr lang="en-US"/>
               <a:t>Fifth level</a:t>
             </a:r>
-            <a:endParaRPr lang="en-US"/>
           </a:p>
         </p:txBody>
       </p:sp>
@@ -808,7 +1253,7 @@
           <a:p>
             <a:fld id="{A1593028-A0CA-48C1-B651-1C34254183FB}" type="datetimeFigureOut">
               <a:rPr lang="en-US" smtClean="0"/>
-              <a:t>5/31/2017</a:t>
+              <a:t>6/2/2017</a:t>
             </a:fld>
             <a:endParaRPr lang="en-US"/>
           </a:p>
@@ -911,10 +1356,9 @@
           </a:lstStyle>
           <a:p>
             <a:r>
-              <a:rPr lang="en-US" smtClean="0"/>
+              <a:rPr lang="en-US"/>
               <a:t>Click to edit Master title style</a:t>
             </a:r>
-            <a:endParaRPr lang="en-US"/>
           </a:p>
         </p:txBody>
       </p:sp>
@@ -1031,7 +1475,7 @@
           <a:p>
             <a:pPr lvl="0"/>
             <a:r>
-              <a:rPr lang="en-US" smtClean="0"/>
+              <a:rPr lang="en-US"/>
               <a:t>Click to edit Master text styles</a:t>
             </a:r>
           </a:p>
@@ -1054,7 +1498,7 @@
           <a:p>
             <a:fld id="{A1593028-A0CA-48C1-B651-1C34254183FB}" type="datetimeFigureOut">
               <a:rPr lang="en-US" smtClean="0"/>
-              <a:t>5/31/2017</a:t>
+              <a:t>6/2/2017</a:t>
             </a:fld>
             <a:endParaRPr lang="en-US"/>
           </a:p>
@@ -1148,10 +1592,9 @@
           <a:lstStyle/>
           <a:p>
             <a:r>
-              <a:rPr lang="en-US" smtClean="0"/>
+              <a:rPr lang="en-US"/>
               <a:t>Click to edit Master title style</a:t>
             </a:r>
-            <a:endParaRPr lang="en-US"/>
           </a:p>
         </p:txBody>
       </p:sp>
@@ -1205,38 +1648,37 @@
           <a:p>
             <a:pPr lvl="0"/>
             <a:r>
-              <a:rPr lang="en-US" smtClean="0"/>
+              <a:rPr lang="en-US"/>
               <a:t>Click to edit Master text styles</a:t>
             </a:r>
           </a:p>
           <a:p>
             <a:pPr lvl="1"/>
             <a:r>
-              <a:rPr lang="en-US" smtClean="0"/>
+              <a:rPr lang="en-US"/>
               <a:t>Second level</a:t>
             </a:r>
           </a:p>
           <a:p>
             <a:pPr lvl="2"/>
             <a:r>
-              <a:rPr lang="en-US" smtClean="0"/>
+              <a:rPr lang="en-US"/>
               <a:t>Third level</a:t>
             </a:r>
           </a:p>
           <a:p>
             <a:pPr lvl="3"/>
             <a:r>
-              <a:rPr lang="en-US" smtClean="0"/>
+              <a:rPr lang="en-US"/>
               <a:t>Fourth level</a:t>
             </a:r>
           </a:p>
           <a:p>
             <a:pPr lvl="4"/>
             <a:r>
-              <a:rPr lang="en-US" smtClean="0"/>
+              <a:rPr lang="en-US"/>
               <a:t>Fifth level</a:t>
             </a:r>
-            <a:endParaRPr lang="en-US"/>
           </a:p>
         </p:txBody>
       </p:sp>
@@ -1290,38 +1732,37 @@
           <a:p>
             <a:pPr lvl="0"/>
             <a:r>
-              <a:rPr lang="en-US" smtClean="0"/>
+              <a:rPr lang="en-US"/>
               <a:t>Click to edit Master text styles</a:t>
             </a:r>
           </a:p>
           <a:p>
             <a:pPr lvl="1"/>
             <a:r>
-              <a:rPr lang="en-US" smtClean="0"/>
+              <a:rPr lang="en-US"/>
               <a:t>Second level</a:t>
             </a:r>
           </a:p>
           <a:p>
             <a:pPr lvl="2"/>
             <a:r>
-              <a:rPr lang="en-US" smtClean="0"/>
+              <a:rPr lang="en-US"/>
               <a:t>Third level</a:t>
             </a:r>
           </a:p>
           <a:p>
             <a:pPr lvl="3"/>
             <a:r>
-              <a:rPr lang="en-US" smtClean="0"/>
+              <a:rPr lang="en-US"/>
               <a:t>Fourth level</a:t>
             </a:r>
           </a:p>
           <a:p>
             <a:pPr lvl="4"/>
             <a:r>
-              <a:rPr lang="en-US" smtClean="0"/>
+              <a:rPr lang="en-US"/>
               <a:t>Fifth level</a:t>
             </a:r>
-            <a:endParaRPr lang="en-US"/>
           </a:p>
         </p:txBody>
       </p:sp>
@@ -1342,7 +1783,7 @@
           <a:p>
             <a:fld id="{A1593028-A0CA-48C1-B651-1C34254183FB}" type="datetimeFigureOut">
               <a:rPr lang="en-US" smtClean="0"/>
-              <a:t>5/31/2017</a:t>
+              <a:t>6/2/2017</a:t>
             </a:fld>
             <a:endParaRPr lang="en-US"/>
           </a:p>
@@ -1445,10 +1886,9 @@
           </a:lstStyle>
           <a:p>
             <a:r>
-              <a:rPr lang="en-US" smtClean="0"/>
+              <a:rPr lang="en-US"/>
               <a:t>Click to edit Master title style</a:t>
             </a:r>
-            <a:endParaRPr lang="en-US"/>
           </a:p>
         </p:txBody>
       </p:sp>
@@ -1511,7 +1951,7 @@
           <a:p>
             <a:pPr lvl="0"/>
             <a:r>
-              <a:rPr lang="en-US" smtClean="0"/>
+              <a:rPr lang="en-US"/>
               <a:t>Click to edit Master text styles</a:t>
             </a:r>
           </a:p>
@@ -1567,38 +2007,37 @@
           <a:p>
             <a:pPr lvl="0"/>
             <a:r>
-              <a:rPr lang="en-US" smtClean="0"/>
+              <a:rPr lang="en-US"/>
               <a:t>Click to edit Master text styles</a:t>
             </a:r>
           </a:p>
           <a:p>
             <a:pPr lvl="1"/>
             <a:r>
-              <a:rPr lang="en-US" smtClean="0"/>
+              <a:rPr lang="en-US"/>
               <a:t>Second level</a:t>
             </a:r>
           </a:p>
           <a:p>
             <a:pPr lvl="2"/>
             <a:r>
-              <a:rPr lang="en-US" smtClean="0"/>
+              <a:rPr lang="en-US"/>
               <a:t>Third level</a:t>
             </a:r>
           </a:p>
           <a:p>
             <a:pPr lvl="3"/>
             <a:r>
-              <a:rPr lang="en-US" smtClean="0"/>
+              <a:rPr lang="en-US"/>
               <a:t>Fourth level</a:t>
             </a:r>
           </a:p>
           <a:p>
             <a:pPr lvl="4"/>
             <a:r>
-              <a:rPr lang="en-US" smtClean="0"/>
+              <a:rPr lang="en-US"/>
               <a:t>Fifth level</a:t>
             </a:r>
-            <a:endParaRPr lang="en-US"/>
           </a:p>
         </p:txBody>
       </p:sp>
@@ -1661,7 +2100,7 @@
           <a:p>
             <a:pPr lvl="0"/>
             <a:r>
-              <a:rPr lang="en-US" smtClean="0"/>
+              <a:rPr lang="en-US"/>
               <a:t>Click to edit Master text styles</a:t>
             </a:r>
           </a:p>
@@ -1717,38 +2156,37 @@
           <a:p>
             <a:pPr lvl="0"/>
             <a:r>
-              <a:rPr lang="en-US" smtClean="0"/>
+              <a:rPr lang="en-US"/>
               <a:t>Click to edit Master text styles</a:t>
             </a:r>
           </a:p>
           <a:p>
             <a:pPr lvl="1"/>
             <a:r>
-              <a:rPr lang="en-US" smtClean="0"/>
+              <a:rPr lang="en-US"/>
               <a:t>Second level</a:t>
             </a:r>
           </a:p>
           <a:p>
             <a:pPr lvl="2"/>
             <a:r>
-              <a:rPr lang="en-US" smtClean="0"/>
+              <a:rPr lang="en-US"/>
               <a:t>Third level</a:t>
             </a:r>
           </a:p>
           <a:p>
             <a:pPr lvl="3"/>
             <a:r>
-              <a:rPr lang="en-US" smtClean="0"/>
+              <a:rPr lang="en-US"/>
               <a:t>Fourth level</a:t>
             </a:r>
           </a:p>
           <a:p>
             <a:pPr lvl="4"/>
             <a:r>
-              <a:rPr lang="en-US" smtClean="0"/>
+              <a:rPr lang="en-US"/>
               <a:t>Fifth level</a:t>
             </a:r>
-            <a:endParaRPr lang="en-US"/>
           </a:p>
         </p:txBody>
       </p:sp>
@@ -1769,7 +2207,7 @@
           <a:p>
             <a:fld id="{A1593028-A0CA-48C1-B651-1C34254183FB}" type="datetimeFigureOut">
               <a:rPr lang="en-US" smtClean="0"/>
-              <a:t>5/31/2017</a:t>
+              <a:t>6/2/2017</a:t>
             </a:fld>
             <a:endParaRPr lang="en-US"/>
           </a:p>
@@ -1863,10 +2301,9 @@
           <a:lstStyle/>
           <a:p>
             <a:r>
-              <a:rPr lang="en-US" smtClean="0"/>
+              <a:rPr lang="en-US"/>
               <a:t>Click to edit Master title style</a:t>
             </a:r>
-            <a:endParaRPr lang="en-US"/>
           </a:p>
         </p:txBody>
       </p:sp>
@@ -1887,7 +2324,7 @@
           <a:p>
             <a:fld id="{A1593028-A0CA-48C1-B651-1C34254183FB}" type="datetimeFigureOut">
               <a:rPr lang="en-US" smtClean="0"/>
-              <a:t>5/31/2017</a:t>
+              <a:t>6/2/2017</a:t>
             </a:fld>
             <a:endParaRPr lang="en-US"/>
           </a:p>
@@ -1982,7 +2419,7 @@
           <a:p>
             <a:fld id="{A1593028-A0CA-48C1-B651-1C34254183FB}" type="datetimeFigureOut">
               <a:rPr lang="en-US" smtClean="0"/>
-              <a:t>5/31/2017</a:t>
+              <a:t>6/2/2017</a:t>
             </a:fld>
             <a:endParaRPr lang="en-US"/>
           </a:p>
@@ -2085,10 +2522,9 @@
           </a:lstStyle>
           <a:p>
             <a:r>
-              <a:rPr lang="en-US" smtClean="0"/>
+              <a:rPr lang="en-US"/>
               <a:t>Click to edit Master title style</a:t>
             </a:r>
-            <a:endParaRPr lang="en-US"/>
           </a:p>
         </p:txBody>
       </p:sp>
@@ -2142,38 +2578,37 @@
           <a:p>
             <a:pPr lvl="0"/>
             <a:r>
-              <a:rPr lang="en-US" smtClean="0"/>
+              <a:rPr lang="en-US"/>
               <a:t>Click to edit Master text styles</a:t>
             </a:r>
           </a:p>
           <a:p>
             <a:pPr lvl="1"/>
             <a:r>
-              <a:rPr lang="en-US" smtClean="0"/>
+              <a:rPr lang="en-US"/>
               <a:t>Second level</a:t>
             </a:r>
           </a:p>
           <a:p>
             <a:pPr lvl="2"/>
             <a:r>
-              <a:rPr lang="en-US" smtClean="0"/>
+              <a:rPr lang="en-US"/>
               <a:t>Third level</a:t>
             </a:r>
           </a:p>
           <a:p>
             <a:pPr lvl="3"/>
             <a:r>
-              <a:rPr lang="en-US" smtClean="0"/>
+              <a:rPr lang="en-US"/>
               <a:t>Fourth level</a:t>
             </a:r>
           </a:p>
           <a:p>
             <a:pPr lvl="4"/>
             <a:r>
-              <a:rPr lang="en-US" smtClean="0"/>
+              <a:rPr lang="en-US"/>
               <a:t>Fifth level</a:t>
             </a:r>
-            <a:endParaRPr lang="en-US"/>
           </a:p>
         </p:txBody>
       </p:sp>
@@ -2236,7 +2671,7 @@
           <a:p>
             <a:pPr lvl="0"/>
             <a:r>
-              <a:rPr lang="en-US" smtClean="0"/>
+              <a:rPr lang="en-US"/>
               <a:t>Click to edit Master text styles</a:t>
             </a:r>
           </a:p>
@@ -2259,7 +2694,7 @@
           <a:p>
             <a:fld id="{A1593028-A0CA-48C1-B651-1C34254183FB}" type="datetimeFigureOut">
               <a:rPr lang="en-US" smtClean="0"/>
-              <a:t>5/31/2017</a:t>
+              <a:t>6/2/2017</a:t>
             </a:fld>
             <a:endParaRPr lang="en-US"/>
           </a:p>
@@ -2362,10 +2797,9 @@
           </a:lstStyle>
           <a:p>
             <a:r>
-              <a:rPr lang="en-US" smtClean="0"/>
+              <a:rPr lang="en-US"/>
               <a:t>Click to edit Master title style</a:t>
             </a:r>
-            <a:endParaRPr lang="en-US"/>
           </a:p>
         </p:txBody>
       </p:sp>
@@ -2489,7 +2923,7 @@
           <a:p>
             <a:pPr lvl="0"/>
             <a:r>
-              <a:rPr lang="en-US" smtClean="0"/>
+              <a:rPr lang="en-US"/>
               <a:t>Click to edit Master text styles</a:t>
             </a:r>
           </a:p>
@@ -2512,7 +2946,7 @@
           <a:p>
             <a:fld id="{A1593028-A0CA-48C1-B651-1C34254183FB}" type="datetimeFigureOut">
               <a:rPr lang="en-US" smtClean="0"/>
-              <a:t>5/31/2017</a:t>
+              <a:t>6/2/2017</a:t>
             </a:fld>
             <a:endParaRPr lang="en-US"/>
           </a:p>
@@ -2621,10 +3055,9 @@
           <a:lstStyle/>
           <a:p>
             <a:r>
-              <a:rPr lang="en-US" smtClean="0"/>
+              <a:rPr lang="en-US"/>
               <a:t>Click to edit Master title style</a:t>
             </a:r>
-            <a:endParaRPr lang="en-US"/>
           </a:p>
         </p:txBody>
       </p:sp>
@@ -2655,38 +3088,37 @@
           <a:p>
             <a:pPr lvl="0"/>
             <a:r>
-              <a:rPr lang="en-US" smtClean="0"/>
+              <a:rPr lang="en-US"/>
               <a:t>Click to edit Master text styles</a:t>
             </a:r>
           </a:p>
           <a:p>
             <a:pPr lvl="1"/>
             <a:r>
-              <a:rPr lang="en-US" smtClean="0"/>
+              <a:rPr lang="en-US"/>
               <a:t>Second level</a:t>
             </a:r>
           </a:p>
           <a:p>
             <a:pPr lvl="2"/>
             <a:r>
-              <a:rPr lang="en-US" smtClean="0"/>
+              <a:rPr lang="en-US"/>
               <a:t>Third level</a:t>
             </a:r>
           </a:p>
           <a:p>
             <a:pPr lvl="3"/>
             <a:r>
-              <a:rPr lang="en-US" smtClean="0"/>
+              <a:rPr lang="en-US"/>
               <a:t>Fourth level</a:t>
             </a:r>
           </a:p>
           <a:p>
             <a:pPr lvl="4"/>
             <a:r>
-              <a:rPr lang="en-US" smtClean="0"/>
+              <a:rPr lang="en-US"/>
               <a:t>Fifth level</a:t>
             </a:r>
-            <a:endParaRPr lang="en-US"/>
           </a:p>
         </p:txBody>
       </p:sp>
@@ -2725,7 +3157,7 @@
           <a:p>
             <a:fld id="{A1593028-A0CA-48C1-B651-1C34254183FB}" type="datetimeFigureOut">
               <a:rPr lang="en-US" smtClean="0"/>
-              <a:t>5/31/2017</a:t>
+              <a:t>6/2/2017</a:t>
             </a:fld>
             <a:endParaRPr lang="en-US"/>
           </a:p>
@@ -3100,42 +3532,36 @@
           <a:chExt cx="0" cy="0"/>
         </a:xfrm>
       </p:grpSpPr>
-      <p:cxnSp>
-        <p:nvCxnSpPr>
-          <p:cNvPr id="118" name="Straight Arrow Connector 117"/>
-          <p:cNvCxnSpPr/>
+      <p:sp>
+        <p:nvSpPr>
+          <p:cNvPr id="151" name="TextBox 150"/>
+          <p:cNvSpPr txBox="1"/>
           <p:nvPr/>
-        </p:nvCxnSpPr>
-        <p:spPr>
-          <a:xfrm flipV="1">
-            <a:off x="5486400" y="1527578"/>
-            <a:ext cx="0" cy="1600200"/>
-          </a:xfrm>
-          <a:prstGeom prst="straightConnector1">
-            <a:avLst/>
-          </a:prstGeom>
-          <a:ln w="19050">
-            <a:solidFill>
-              <a:srgbClr val="FF0000"/>
-            </a:solidFill>
-            <a:tailEnd type="none"/>
-          </a:ln>
-        </p:spPr>
-        <p:style>
-          <a:lnRef idx="1">
-            <a:schemeClr val="accent1"/>
-          </a:lnRef>
-          <a:fillRef idx="0">
-            <a:schemeClr val="accent1"/>
-          </a:fillRef>
-          <a:effectRef idx="0">
-            <a:schemeClr val="accent1"/>
-          </a:effectRef>
-          <a:fontRef idx="minor">
-            <a:schemeClr val="tx1"/>
-          </a:fontRef>
-        </p:style>
-      </p:cxnSp>
+        </p:nvSpPr>
+        <p:spPr>
+          <a:xfrm>
+            <a:off x="3533161" y="3135162"/>
+            <a:ext cx="957970" cy="293838"/>
+          </a:xfrm>
+          <a:prstGeom prst="rect">
+            <a:avLst/>
+          </a:prstGeom>
+          <a:noFill/>
+        </p:spPr>
+        <p:txBody>
+          <a:bodyPr wrap="none" lIns="138596" tIns="69298" rIns="138596" bIns="69298" rtlCol="0">
+            <a:spAutoFit/>
+          </a:bodyPr>
+          <a:lstStyle/>
+          <a:p>
+            <a:r>
+              <a:rPr lang="en-US" sz="1000" dirty="0" err="1"/>
+              <a:t>tlsio_dowork</a:t>
+            </a:r>
+            <a:endParaRPr lang="en-US" sz="1000" dirty="0"/>
+          </a:p>
+        </p:txBody>
+      </p:sp>
       <p:sp>
         <p:nvSpPr>
           <p:cNvPr id="119" name="TextBox 118"/>
@@ -3144,7 +3570,7 @@
         </p:nvSpPr>
         <p:spPr>
           <a:xfrm>
-            <a:off x="4114800" y="2380694"/>
+            <a:off x="1896423" y="3768571"/>
             <a:ext cx="1440313" cy="416948"/>
           </a:xfrm>
           <a:prstGeom prst="rect">
@@ -3173,7 +3599,7 @@
         </p:nvSpPr>
         <p:spPr>
           <a:xfrm>
-            <a:off x="110836" y="2193376"/>
+            <a:off x="3401001" y="1173526"/>
             <a:ext cx="775855" cy="426674"/>
           </a:xfrm>
           <a:prstGeom prst="roundRect">
@@ -3216,7 +3642,7 @@
         </p:nvSpPr>
         <p:spPr>
           <a:xfrm>
-            <a:off x="1660772" y="2198065"/>
+            <a:off x="5329331" y="2590800"/>
             <a:ext cx="888467" cy="426674"/>
           </a:xfrm>
           <a:prstGeom prst="roundRect">
@@ -3259,7 +3685,7 @@
         </p:nvSpPr>
         <p:spPr>
           <a:xfrm>
-            <a:off x="4804333" y="1100904"/>
+            <a:off x="1419801" y="2590800"/>
             <a:ext cx="754183" cy="426674"/>
           </a:xfrm>
           <a:prstGeom prst="roundRect">
@@ -3302,8 +3728,8 @@
         </p:nvSpPr>
         <p:spPr>
           <a:xfrm>
-            <a:off x="3358484" y="2193376"/>
-            <a:ext cx="742461" cy="426674"/>
+            <a:off x="3401000" y="4174576"/>
+            <a:ext cx="777240" cy="426674"/>
           </a:xfrm>
           <a:prstGeom prst="roundRect">
             <a:avLst/>
@@ -3345,7 +3771,7 @@
         </p:nvSpPr>
         <p:spPr>
           <a:xfrm>
-            <a:off x="3729716" y="4087620"/>
+            <a:off x="3401001" y="2590800"/>
             <a:ext cx="775855" cy="426674"/>
           </a:xfrm>
           <a:prstGeom prst="roundRect">
@@ -3380,62 +3806,18 @@
           </a:p>
         </p:txBody>
       </p:sp>
-      <p:sp>
-        <p:nvSpPr>
-          <p:cNvPr id="125" name="Rounded Rectangle 124"/>
-          <p:cNvSpPr/>
-          <p:nvPr/>
-        </p:nvSpPr>
-        <p:spPr>
-          <a:xfrm>
-            <a:off x="6428509" y="2198065"/>
-            <a:ext cx="775855" cy="426674"/>
-          </a:xfrm>
-          <a:prstGeom prst="roundRect">
-            <a:avLst/>
-          </a:prstGeom>
-        </p:spPr>
-        <p:style>
-          <a:lnRef idx="2">
-            <a:schemeClr val="accent1">
-              <a:shade val="50000"/>
-            </a:schemeClr>
-          </a:lnRef>
-          <a:fillRef idx="1">
-            <a:schemeClr val="accent1"/>
-          </a:fillRef>
-          <a:effectRef idx="0">
-            <a:schemeClr val="accent1"/>
-          </a:effectRef>
-          <a:fontRef idx="minor">
-            <a:schemeClr val="lt1"/>
-          </a:fontRef>
-        </p:style>
-        <p:txBody>
-          <a:bodyPr lIns="94037" tIns="47019" rIns="94037" bIns="47019" spcCol="0" rtlCol="0" anchor="ctr"/>
-          <a:lstStyle/>
-          <a:p>
-            <a:pPr algn="ctr"/>
-            <a:r>
-              <a:rPr lang="en-US" sz="1400" dirty="0"/>
-              <a:t>Closed</a:t>
-            </a:r>
-          </a:p>
-        </p:txBody>
-      </p:sp>
       <p:cxnSp>
         <p:nvCxnSpPr>
           <p:cNvPr id="126" name="Straight Arrow Connector 125"/>
           <p:cNvCxnSpPr>
-            <a:stCxn id="120" idx="3"/>
-            <a:endCxn id="121" idx="1"/>
+            <a:endCxn id="122" idx="2"/>
           </p:cNvCxnSpPr>
           <p:nvPr/>
         </p:nvCxnSpPr>
         <p:spPr>
-          <a:xfrm>
-            <a:off x="886693" y="2406717"/>
-            <a:ext cx="774079" cy="4689"/>
+          <a:xfrm flipV="1">
+            <a:off x="1796891" y="3017474"/>
+            <a:ext cx="2" cy="1249726"/>
           </a:xfrm>
           <a:prstGeom prst="straightConnector1">
             <a:avLst/>
@@ -3462,16 +3844,13 @@
       <p:cxnSp>
         <p:nvCxnSpPr>
           <p:cNvPr id="127" name="Straight Arrow Connector 126"/>
-          <p:cNvCxnSpPr>
-            <a:stCxn id="121" idx="3"/>
-            <a:endCxn id="123" idx="1"/>
-          </p:cNvCxnSpPr>
+          <p:cNvCxnSpPr/>
           <p:nvPr/>
         </p:nvCxnSpPr>
         <p:spPr>
-          <a:xfrm flipV="1">
-            <a:off x="2549236" y="2406717"/>
-            <a:ext cx="809248" cy="4689"/>
+          <a:xfrm>
+            <a:off x="1796892" y="1524000"/>
+            <a:ext cx="1604109" cy="0"/>
           </a:xfrm>
           <a:prstGeom prst="straightConnector1">
             <a:avLst/>
@@ -3499,14 +3878,14 @@
         <p:nvCxnSpPr>
           <p:cNvPr id="128" name="Straight Arrow Connector 127"/>
           <p:cNvCxnSpPr>
-            <a:endCxn id="122" idx="1"/>
+            <a:endCxn id="121" idx="0"/>
           </p:cNvCxnSpPr>
           <p:nvPr/>
         </p:nvCxnSpPr>
         <p:spPr>
-          <a:xfrm>
-            <a:off x="3729715" y="1314241"/>
-            <a:ext cx="1074615" cy="0"/>
+          <a:xfrm flipH="1">
+            <a:off x="5773565" y="1380176"/>
+            <a:ext cx="18236" cy="1210624"/>
           </a:xfrm>
           <a:prstGeom prst="straightConnector1">
             <a:avLst/>
@@ -3534,14 +3913,15 @@
         <p:nvCxnSpPr>
           <p:cNvPr id="129" name="Straight Arrow Connector 128"/>
           <p:cNvCxnSpPr>
-            <a:endCxn id="125" idx="0"/>
+            <a:stCxn id="124" idx="0"/>
+            <a:endCxn id="120" idx="2"/>
           </p:cNvCxnSpPr>
           <p:nvPr/>
         </p:nvCxnSpPr>
         <p:spPr>
-          <a:xfrm>
-            <a:off x="6816436" y="1314241"/>
-            <a:ext cx="0" cy="883824"/>
+          <a:xfrm flipV="1">
+            <a:off x="3788929" y="1600200"/>
+            <a:ext cx="0" cy="990600"/>
           </a:xfrm>
           <a:prstGeom prst="straightConnector1">
             <a:avLst/>
@@ -3568,13 +3948,16 @@
       <p:cxnSp>
         <p:nvCxnSpPr>
           <p:cNvPr id="130" name="Straight Arrow Connector 129"/>
-          <p:cNvCxnSpPr/>
+          <p:cNvCxnSpPr>
+            <a:stCxn id="121" idx="1"/>
+            <a:endCxn id="124" idx="3"/>
+          </p:cNvCxnSpPr>
           <p:nvPr/>
         </p:nvCxnSpPr>
         <p:spPr>
           <a:xfrm flipH="1">
-            <a:off x="4343400" y="3127778"/>
-            <a:ext cx="1143002" cy="959842"/>
+            <a:off x="4176856" y="2804137"/>
+            <a:ext cx="1152475" cy="0"/>
           </a:xfrm>
           <a:prstGeom prst="straightConnector1">
             <a:avLst/>
@@ -3609,8 +3992,8 @@
         </p:nvCxnSpPr>
         <p:spPr>
           <a:xfrm flipV="1">
-            <a:off x="2216727" y="918048"/>
-            <a:ext cx="809248" cy="4689"/>
+            <a:off x="6553200" y="320051"/>
+            <a:ext cx="457200" cy="0"/>
           </a:xfrm>
           <a:prstGeom prst="straightConnector1">
             <a:avLst/>
@@ -3645,7 +4028,7 @@
         </p:nvSpPr>
         <p:spPr>
           <a:xfrm>
-            <a:off x="457200" y="750397"/>
+            <a:off x="4793673" y="152400"/>
             <a:ext cx="1782041" cy="324615"/>
           </a:xfrm>
           <a:prstGeom prst="rect">
@@ -3660,20 +4043,16 @@
           <a:lstStyle/>
           <a:p>
             <a:r>
-              <a:rPr lang="en-US" sz="1200" dirty="0" smtClean="0"/>
+              <a:rPr lang="en-US" sz="1200" dirty="0"/>
               <a:t>failed </a:t>
             </a:r>
             <a:r>
-              <a:rPr lang="en-US" sz="1200" dirty="0" err="1" smtClean="0"/>
+              <a:rPr lang="en-US" sz="1200" dirty="0" err="1"/>
               <a:t>tlsio_dowork</a:t>
             </a:r>
             <a:r>
-              <a:rPr lang="en-US" sz="1200" dirty="0" smtClean="0"/>
-              <a:t> </a:t>
-            </a:r>
-            <a:r>
               <a:rPr lang="en-US" sz="1200" dirty="0"/>
-              <a:t>calls</a:t>
+              <a:t> calls</a:t>
             </a:r>
           </a:p>
         </p:txBody>
@@ -3686,8 +4065,8 @@
         </p:nvCxnSpPr>
         <p:spPr>
           <a:xfrm flipV="1">
-            <a:off x="2207846" y="1212291"/>
-            <a:ext cx="809248" cy="4689"/>
+            <a:off x="6544319" y="538094"/>
+            <a:ext cx="457200" cy="0"/>
           </a:xfrm>
           <a:prstGeom prst="straightConnector1">
             <a:avLst/>
@@ -3719,7 +4098,7 @@
         </p:nvSpPr>
         <p:spPr>
           <a:xfrm>
-            <a:off x="997529" y="1039951"/>
+            <a:off x="5334002" y="365754"/>
             <a:ext cx="1216566" cy="324615"/>
           </a:xfrm>
           <a:prstGeom prst="rect">
@@ -3748,7 +4127,7 @@
         </p:nvSpPr>
         <p:spPr>
           <a:xfrm>
-            <a:off x="838200" y="2132279"/>
+            <a:off x="4441921" y="1158871"/>
             <a:ext cx="828126" cy="293838"/>
           </a:xfrm>
           <a:prstGeom prst="rect">
@@ -3763,7 +4142,7 @@
           <a:lstStyle/>
           <a:p>
             <a:r>
-              <a:rPr lang="en-US" sz="1000" dirty="0" err="1" smtClean="0"/>
+              <a:rPr lang="en-US" sz="1000" dirty="0" err="1"/>
               <a:t>tlsio_open</a:t>
             </a:r>
             <a:endParaRPr lang="en-US" sz="1000" dirty="0"/>
@@ -3772,13 +4151,13 @@
       </p:sp>
       <p:sp>
         <p:nvSpPr>
-          <p:cNvPr id="136" name="TextBox 135"/>
+          <p:cNvPr id="137" name="TextBox 136"/>
           <p:cNvSpPr txBox="1"/>
           <p:nvPr/>
         </p:nvSpPr>
         <p:spPr>
           <a:xfrm>
-            <a:off x="2471030" y="2133600"/>
+            <a:off x="4622473" y="4140909"/>
             <a:ext cx="957970" cy="293838"/>
           </a:xfrm>
           <a:prstGeom prst="rect">
@@ -3793,7 +4172,7 @@
           <a:lstStyle/>
           <a:p>
             <a:r>
-              <a:rPr lang="en-US" sz="1000" dirty="0" err="1" smtClean="0"/>
+              <a:rPr lang="en-US" sz="1000" dirty="0" err="1"/>
               <a:t>tlsio_dowork</a:t>
             </a:r>
             <a:endParaRPr lang="en-US" sz="1000" dirty="0"/>
@@ -3802,14 +4181,14 @@
       </p:sp>
       <p:sp>
         <p:nvSpPr>
-          <p:cNvPr id="137" name="TextBox 136"/>
+          <p:cNvPr id="138" name="TextBox 137"/>
           <p:cNvSpPr txBox="1"/>
           <p:nvPr/>
         </p:nvSpPr>
         <p:spPr>
           <a:xfrm>
-            <a:off x="5652655" y="1065479"/>
-            <a:ext cx="957970" cy="293838"/>
+            <a:off x="2181302" y="4038600"/>
+            <a:ext cx="826523" cy="293838"/>
           </a:xfrm>
           <a:prstGeom prst="rect">
             <a:avLst/>
@@ -3823,8 +4202,8 @@
           <a:lstStyle/>
           <a:p>
             <a:r>
-              <a:rPr lang="en-US" sz="1000" dirty="0" err="1" smtClean="0"/>
-              <a:t>tlsio_dowork</a:t>
+              <a:rPr lang="en-US" sz="1000" dirty="0" err="1"/>
+              <a:t>tlsio_close</a:t>
             </a:r>
             <a:endParaRPr lang="en-US" sz="1000" dirty="0"/>
           </a:p>
@@ -3832,14 +4211,14 @@
       </p:sp>
       <p:sp>
         <p:nvSpPr>
-          <p:cNvPr id="138" name="TextBox 137"/>
+          <p:cNvPr id="140" name="TextBox 139"/>
           <p:cNvSpPr txBox="1"/>
           <p:nvPr/>
         </p:nvSpPr>
         <p:spPr>
           <a:xfrm>
-            <a:off x="4187250" y="2132279"/>
-            <a:ext cx="826523" cy="293838"/>
+            <a:off x="1024306" y="4598351"/>
+            <a:ext cx="2165030" cy="278449"/>
           </a:xfrm>
           <a:prstGeom prst="rect">
             <a:avLst/>
@@ -3853,72 +4232,6 @@
           <a:lstStyle/>
           <a:p>
             <a:r>
-              <a:rPr lang="en-US" sz="1000" dirty="0" err="1" smtClean="0"/>
-              <a:t>tlsio_close</a:t>
-            </a:r>
-            <a:endParaRPr lang="en-US" sz="1000" dirty="0"/>
-          </a:p>
-        </p:txBody>
-      </p:sp>
-      <p:cxnSp>
-        <p:nvCxnSpPr>
-          <p:cNvPr id="139" name="Straight Arrow Connector 138"/>
-          <p:cNvCxnSpPr>
-            <a:stCxn id="123" idx="3"/>
-            <a:endCxn id="125" idx="1"/>
-          </p:cNvCxnSpPr>
-          <p:nvPr/>
-        </p:nvCxnSpPr>
-        <p:spPr>
-          <a:xfrm>
-            <a:off x="4100945" y="2406717"/>
-            <a:ext cx="2327564" cy="4689"/>
-          </a:xfrm>
-          <a:prstGeom prst="straightConnector1">
-            <a:avLst/>
-          </a:prstGeom>
-          <a:ln w="19050">
-            <a:tailEnd type="triangle"/>
-          </a:ln>
-        </p:spPr>
-        <p:style>
-          <a:lnRef idx="1">
-            <a:schemeClr val="accent1"/>
-          </a:lnRef>
-          <a:fillRef idx="0">
-            <a:schemeClr val="accent1"/>
-          </a:fillRef>
-          <a:effectRef idx="0">
-            <a:schemeClr val="accent1"/>
-          </a:effectRef>
-          <a:fontRef idx="minor">
-            <a:schemeClr val="tx1"/>
-          </a:fontRef>
-        </p:style>
-      </p:cxnSp>
-      <p:sp>
-        <p:nvSpPr>
-          <p:cNvPr id="140" name="TextBox 139"/>
-          <p:cNvSpPr txBox="1"/>
-          <p:nvPr/>
-        </p:nvSpPr>
-        <p:spPr>
-          <a:xfrm>
-            <a:off x="4163852" y="856694"/>
-            <a:ext cx="2165030" cy="278449"/>
-          </a:xfrm>
-          <a:prstGeom prst="rect">
-            <a:avLst/>
-          </a:prstGeom>
-          <a:noFill/>
-        </p:spPr>
-        <p:txBody>
-          <a:bodyPr wrap="none" lIns="138596" tIns="69298" rIns="138596" bIns="69298" rtlCol="0">
-            <a:spAutoFit/>
-          </a:bodyPr>
-          <a:lstStyle/>
-          <a:p>
-            <a:r>
               <a:rPr lang="en-US" sz="900" dirty="0"/>
               <a:t>(adapters with asynchronous close only)</a:t>
             </a:r>
@@ -3928,15 +4241,13 @@
       <p:cxnSp>
         <p:nvCxnSpPr>
           <p:cNvPr id="141" name="Straight Arrow Connector 140"/>
-          <p:cNvCxnSpPr>
-            <a:stCxn id="123" idx="0"/>
-          </p:cNvCxnSpPr>
+          <p:cNvCxnSpPr/>
           <p:nvPr/>
         </p:nvCxnSpPr>
         <p:spPr>
-          <a:xfrm flipV="1">
-            <a:off x="3729715" y="1314245"/>
-            <a:ext cx="0" cy="879135"/>
+          <a:xfrm flipH="1" flipV="1">
+            <a:off x="1796892" y="4267200"/>
+            <a:ext cx="1604108" cy="1"/>
           </a:xfrm>
           <a:prstGeom prst="straightConnector1">
             <a:avLst/>
@@ -3964,14 +4275,14 @@
         <p:nvCxnSpPr>
           <p:cNvPr id="142" name="Straight Arrow Connector 141"/>
           <p:cNvCxnSpPr>
-            <a:stCxn id="122" idx="3"/>
+            <a:stCxn id="120" idx="3"/>
           </p:cNvCxnSpPr>
           <p:nvPr/>
         </p:nvCxnSpPr>
         <p:spPr>
           <a:xfrm>
-            <a:off x="5558513" y="1314241"/>
-            <a:ext cx="1257923" cy="0"/>
+            <a:off x="4176856" y="1386863"/>
+            <a:ext cx="1614945" cy="0"/>
           </a:xfrm>
           <a:prstGeom prst="straightConnector1">
             <a:avLst/>
@@ -3995,36 +4306,6 @@
           </a:fontRef>
         </p:style>
       </p:cxnSp>
-      <p:sp>
-        <p:nvSpPr>
-          <p:cNvPr id="143" name="TextBox 142"/>
-          <p:cNvSpPr txBox="1"/>
-          <p:nvPr/>
-        </p:nvSpPr>
-        <p:spPr>
-          <a:xfrm>
-            <a:off x="3962400" y="1065479"/>
-            <a:ext cx="826523" cy="293838"/>
-          </a:xfrm>
-          <a:prstGeom prst="rect">
-            <a:avLst/>
-          </a:prstGeom>
-          <a:noFill/>
-        </p:spPr>
-        <p:txBody>
-          <a:bodyPr wrap="none" lIns="138596" tIns="69298" rIns="138596" bIns="69298" rtlCol="0">
-            <a:spAutoFit/>
-          </a:bodyPr>
-          <a:lstStyle/>
-          <a:p>
-            <a:r>
-              <a:rPr lang="en-US" sz="1000" dirty="0" err="1" smtClean="0"/>
-              <a:t>tlsio_close</a:t>
-            </a:r>
-            <a:endParaRPr lang="en-US" sz="1000" dirty="0"/>
-          </a:p>
-        </p:txBody>
-      </p:sp>
       <p:cxnSp>
         <p:nvCxnSpPr>
           <p:cNvPr id="144" name="Straight Arrow Connector 143"/>
@@ -4032,9 +4313,9 @@
           <p:nvPr/>
         </p:nvCxnSpPr>
         <p:spPr>
-          <a:xfrm flipH="1" flipV="1">
-            <a:off x="1912807" y="2612783"/>
-            <a:ext cx="2041" cy="182880"/>
+          <a:xfrm>
+            <a:off x="6217797" y="2667000"/>
+            <a:ext cx="182880" cy="0"/>
           </a:xfrm>
           <a:prstGeom prst="straightConnector1">
             <a:avLst/>
@@ -4065,9 +4346,9 @@
           <p:nvPr/>
         </p:nvCxnSpPr>
         <p:spPr>
-          <a:xfrm flipV="1">
-            <a:off x="2278567" y="2612783"/>
-            <a:ext cx="0" cy="182880"/>
+          <a:xfrm flipH="1" flipV="1">
+            <a:off x="6217797" y="2889631"/>
+            <a:ext cx="182880" cy="0"/>
           </a:xfrm>
           <a:prstGeom prst="straightConnector1">
             <a:avLst/>
@@ -4099,8 +4380,8 @@
         </p:nvCxnSpPr>
         <p:spPr>
           <a:xfrm flipH="1">
-            <a:off x="1914849" y="2795663"/>
-            <a:ext cx="363718" cy="0"/>
+            <a:off x="6400677" y="2667000"/>
+            <a:ext cx="1" cy="222631"/>
           </a:xfrm>
           <a:prstGeom prst="straightConnector1">
             <a:avLst/>
@@ -4132,7 +4413,7 @@
         </p:nvSpPr>
         <p:spPr>
           <a:xfrm>
-            <a:off x="1600200" y="2754162"/>
+            <a:off x="6128630" y="2405580"/>
             <a:ext cx="957970" cy="293838"/>
           </a:xfrm>
           <a:prstGeom prst="rect">
@@ -4162,7 +4443,7 @@
         </p:nvCxnSpPr>
         <p:spPr>
           <a:xfrm flipH="1" flipV="1">
-            <a:off x="3925799" y="4514294"/>
+            <a:off x="3701830" y="3017520"/>
             <a:ext cx="2041" cy="182880"/>
           </a:xfrm>
           <a:prstGeom prst="straightConnector1">
@@ -4194,9 +4475,9 @@
           <p:nvPr/>
         </p:nvCxnSpPr>
         <p:spPr>
-          <a:xfrm flipV="1">
-            <a:off x="4291559" y="4514294"/>
-            <a:ext cx="0" cy="182880"/>
+          <a:xfrm flipH="1" flipV="1">
+            <a:off x="4051025" y="3017520"/>
+            <a:ext cx="1" cy="182880"/>
           </a:xfrm>
           <a:prstGeom prst="straightConnector1">
             <a:avLst/>
@@ -4228,8 +4509,8 @@
         </p:nvCxnSpPr>
         <p:spPr>
           <a:xfrm flipH="1">
-            <a:off x="3927841" y="4697174"/>
-            <a:ext cx="363718" cy="0"/>
+            <a:off x="3701830" y="3191117"/>
+            <a:ext cx="349195" cy="0"/>
           </a:xfrm>
           <a:prstGeom prst="straightConnector1">
             <a:avLst/>
@@ -4253,36 +4534,6 @@
           </a:fontRef>
         </p:style>
       </p:cxnSp>
-      <p:sp>
-        <p:nvSpPr>
-          <p:cNvPr id="151" name="TextBox 150"/>
-          <p:cNvSpPr txBox="1"/>
-          <p:nvPr/>
-        </p:nvSpPr>
-        <p:spPr>
-          <a:xfrm>
-            <a:off x="3657600" y="4648200"/>
-            <a:ext cx="957970" cy="293838"/>
-          </a:xfrm>
-          <a:prstGeom prst="rect">
-            <a:avLst/>
-          </a:prstGeom>
-          <a:noFill/>
-        </p:spPr>
-        <p:txBody>
-          <a:bodyPr wrap="none" lIns="138596" tIns="69298" rIns="138596" bIns="69298" rtlCol="0">
-            <a:spAutoFit/>
-          </a:bodyPr>
-          <a:lstStyle/>
-          <a:p>
-            <a:r>
-              <a:rPr lang="en-US" sz="1000" dirty="0" err="1"/>
-              <a:t>tlsio_dowork</a:t>
-            </a:r>
-            <a:endParaRPr lang="en-US" sz="1000" dirty="0"/>
-          </a:p>
-        </p:txBody>
-      </p:sp>
       <p:cxnSp>
         <p:nvCxnSpPr>
           <p:cNvPr id="152" name="Straight Arrow Connector 151"/>
@@ -4291,8 +4542,8 @@
         </p:nvCxnSpPr>
         <p:spPr>
           <a:xfrm flipH="1" flipV="1">
-            <a:off x="338006" y="2609294"/>
-            <a:ext cx="2041" cy="182880"/>
+            <a:off x="3621279" y="975059"/>
+            <a:ext cx="2041" cy="198467"/>
           </a:xfrm>
           <a:prstGeom prst="straightConnector1">
             <a:avLst/>
@@ -4323,9 +4574,9 @@
           <p:nvPr/>
         </p:nvCxnSpPr>
         <p:spPr>
-          <a:xfrm flipV="1">
-            <a:off x="703766" y="2609294"/>
-            <a:ext cx="0" cy="182880"/>
+          <a:xfrm>
+            <a:off x="3984997" y="975059"/>
+            <a:ext cx="0" cy="198467"/>
           </a:xfrm>
           <a:prstGeom prst="straightConnector1">
             <a:avLst/>
@@ -4357,7 +4608,7 @@
         </p:nvCxnSpPr>
         <p:spPr>
           <a:xfrm flipH="1">
-            <a:off x="340048" y="2792174"/>
+            <a:off x="3621279" y="975059"/>
             <a:ext cx="363718" cy="0"/>
           </a:xfrm>
           <a:prstGeom prst="straightConnector1">
@@ -4390,7 +4641,7 @@
         </p:nvSpPr>
         <p:spPr>
           <a:xfrm>
-            <a:off x="76200" y="2754162"/>
+            <a:off x="3297916" y="685800"/>
             <a:ext cx="957970" cy="293838"/>
           </a:xfrm>
           <a:prstGeom prst="rect">
@@ -4420,7 +4671,7 @@
         </p:nvCxnSpPr>
         <p:spPr>
           <a:xfrm flipH="1" flipV="1">
-            <a:off x="3544799" y="2609294"/>
+            <a:off x="3568641" y="4590494"/>
             <a:ext cx="2041" cy="182880"/>
           </a:xfrm>
           <a:prstGeom prst="straightConnector1">
@@ -4453,7 +4704,7 @@
         </p:nvCxnSpPr>
         <p:spPr>
           <a:xfrm flipV="1">
-            <a:off x="3910559" y="2609294"/>
+            <a:off x="3934401" y="4590494"/>
             <a:ext cx="0" cy="182880"/>
           </a:xfrm>
           <a:prstGeom prst="straightConnector1">
@@ -4486,7 +4737,7 @@
         </p:nvCxnSpPr>
         <p:spPr>
           <a:xfrm flipH="1">
-            <a:off x="3546841" y="2792174"/>
+            <a:off x="3570683" y="4773374"/>
             <a:ext cx="363718" cy="0"/>
           </a:xfrm>
           <a:prstGeom prst="straightConnector1">
@@ -4519,7 +4770,7 @@
         </p:nvSpPr>
         <p:spPr>
           <a:xfrm>
-            <a:off x="3156830" y="2754162"/>
+            <a:off x="3281231" y="4735362"/>
             <a:ext cx="957970" cy="293838"/>
           </a:xfrm>
           <a:prstGeom prst="rect">
@@ -4549,8 +4800,8 @@
         </p:nvCxnSpPr>
         <p:spPr>
           <a:xfrm flipH="1" flipV="1">
-            <a:off x="4992599" y="1510374"/>
-            <a:ext cx="2041" cy="182880"/>
+            <a:off x="1231105" y="2907042"/>
+            <a:ext cx="182880" cy="0"/>
           </a:xfrm>
           <a:prstGeom prst="straightConnector1">
             <a:avLst/>
@@ -4582,8 +4833,8 @@
         </p:nvCxnSpPr>
         <p:spPr>
           <a:xfrm flipV="1">
-            <a:off x="5358359" y="1510374"/>
-            <a:ext cx="0" cy="182880"/>
+            <a:off x="1235566" y="2706044"/>
+            <a:ext cx="182880" cy="0"/>
           </a:xfrm>
           <a:prstGeom prst="straightConnector1">
             <a:avLst/>
@@ -4614,9 +4865,9 @@
           <p:nvPr/>
         </p:nvCxnSpPr>
         <p:spPr>
-          <a:xfrm flipH="1">
-            <a:off x="4994641" y="1693254"/>
-            <a:ext cx="363718" cy="0"/>
+          <a:xfrm>
+            <a:off x="1231105" y="2706044"/>
+            <a:ext cx="0" cy="200998"/>
           </a:xfrm>
           <a:prstGeom prst="straightConnector1">
             <a:avLst/>
@@ -4648,8 +4899,8 @@
         </p:nvSpPr>
         <p:spPr>
           <a:xfrm>
-            <a:off x="4806993" y="1598879"/>
-            <a:ext cx="755607" cy="324615"/>
+            <a:off x="2110169" y="1306362"/>
+            <a:ext cx="957970" cy="293838"/>
           </a:xfrm>
           <a:prstGeom prst="rect">
             <a:avLst/>
@@ -4663,23 +4914,25 @@
           <a:lstStyle/>
           <a:p>
             <a:r>
-              <a:rPr lang="en-US" sz="1200" dirty="0" err="1" smtClean="0"/>
-              <a:t>dowork</a:t>
-            </a:r>
-            <a:endParaRPr lang="en-US" sz="1200" dirty="0"/>
+              <a:rPr lang="en-US" sz="1000" dirty="0" err="1"/>
+              <a:t>tlsio_dowork</a:t>
+            </a:r>
+            <a:endParaRPr lang="en-US" sz="1000" dirty="0"/>
           </a:p>
         </p:txBody>
       </p:sp>
       <p:cxnSp>
         <p:nvCxnSpPr>
-          <p:cNvPr id="164" name="Straight Arrow Connector 163"/>
-          <p:cNvCxnSpPr/>
+          <p:cNvPr id="168" name="Straight Arrow Connector 167"/>
+          <p:cNvCxnSpPr>
+            <a:stCxn id="121" idx="2"/>
+          </p:cNvCxnSpPr>
           <p:nvPr/>
         </p:nvCxnSpPr>
         <p:spPr>
-          <a:xfrm flipH="1" flipV="1">
-            <a:off x="6668999" y="2609294"/>
-            <a:ext cx="2041" cy="182880"/>
+          <a:xfrm flipH="1">
+            <a:off x="5773564" y="3017474"/>
+            <a:ext cx="1" cy="1351428"/>
           </a:xfrm>
           <a:prstGeom prst="straightConnector1">
             <a:avLst/>
@@ -4703,16 +4956,48 @@
           </a:fontRef>
         </p:style>
       </p:cxnSp>
+      <p:sp>
+        <p:nvSpPr>
+          <p:cNvPr id="169" name="TextBox 168"/>
+          <p:cNvSpPr txBox="1"/>
+          <p:nvPr/>
+        </p:nvSpPr>
+        <p:spPr>
+          <a:xfrm>
+            <a:off x="3844425" y="1898920"/>
+            <a:ext cx="826523" cy="293838"/>
+          </a:xfrm>
+          <a:prstGeom prst="rect">
+            <a:avLst/>
+          </a:prstGeom>
+          <a:noFill/>
+        </p:spPr>
+        <p:txBody>
+          <a:bodyPr wrap="none" lIns="138596" tIns="69298" rIns="138596" bIns="69298" rtlCol="0">
+            <a:spAutoFit/>
+          </a:bodyPr>
+          <a:lstStyle/>
+          <a:p>
+            <a:r>
+              <a:rPr lang="en-US" sz="1000" dirty="0" err="1"/>
+              <a:t>tlsio_close</a:t>
+            </a:r>
+            <a:endParaRPr lang="en-US" sz="1000" dirty="0"/>
+          </a:p>
+        </p:txBody>
+      </p:sp>
       <p:cxnSp>
         <p:nvCxnSpPr>
-          <p:cNvPr id="165" name="Straight Arrow Connector 164"/>
-          <p:cNvCxnSpPr/>
+          <p:cNvPr id="170" name="Straight Arrow Connector 169"/>
+          <p:cNvCxnSpPr>
+            <a:endCxn id="123" idx="3"/>
+          </p:cNvCxnSpPr>
           <p:nvPr/>
         </p:nvCxnSpPr>
         <p:spPr>
-          <a:xfrm flipV="1">
-            <a:off x="7034759" y="2609294"/>
-            <a:ext cx="0" cy="182880"/>
+          <a:xfrm flipH="1">
+            <a:off x="4178240" y="4368902"/>
+            <a:ext cx="1595324" cy="0"/>
           </a:xfrm>
           <a:prstGeom prst="straightConnector1">
             <a:avLst/>
@@ -4736,209 +5021,45 @@
           </a:fontRef>
         </p:style>
       </p:cxnSp>
+      <p:sp>
+        <p:nvSpPr>
+          <p:cNvPr id="171" name="TextBox 170"/>
+          <p:cNvSpPr txBox="1"/>
+          <p:nvPr/>
+        </p:nvSpPr>
+        <p:spPr>
+          <a:xfrm>
+            <a:off x="4638238" y="609600"/>
+            <a:ext cx="1914962" cy="278449"/>
+          </a:xfrm>
+          <a:prstGeom prst="rect">
+            <a:avLst/>
+          </a:prstGeom>
+          <a:noFill/>
+        </p:spPr>
+        <p:txBody>
+          <a:bodyPr wrap="none" lIns="138596" tIns="69298" rIns="138596" bIns="69298" rtlCol="0">
+            <a:spAutoFit/>
+          </a:bodyPr>
+          <a:lstStyle/>
+          <a:p>
+            <a:r>
+              <a:rPr lang="en-US" sz="900" dirty="0"/>
+              <a:t>(calls with usage errors not shown)</a:t>
+            </a:r>
+          </a:p>
+        </p:txBody>
+      </p:sp>
       <p:cxnSp>
         <p:nvCxnSpPr>
-          <p:cNvPr id="166" name="Straight Arrow Connector 165"/>
+          <p:cNvPr id="172" name="Straight Arrow Connector 171"/>
           <p:cNvCxnSpPr/>
           <p:nvPr/>
         </p:nvCxnSpPr>
         <p:spPr>
-          <a:xfrm flipH="1">
-            <a:off x="6671041" y="2792174"/>
-            <a:ext cx="363718" cy="0"/>
-          </a:xfrm>
-          <a:prstGeom prst="straightConnector1">
-            <a:avLst/>
-          </a:prstGeom>
-          <a:ln w="19050">
-            <a:tailEnd type="none"/>
-          </a:ln>
-        </p:spPr>
-        <p:style>
-          <a:lnRef idx="1">
-            <a:schemeClr val="accent1"/>
-          </a:lnRef>
-          <a:fillRef idx="0">
-            <a:schemeClr val="accent1"/>
-          </a:fillRef>
-          <a:effectRef idx="0">
-            <a:schemeClr val="accent1"/>
-          </a:effectRef>
-          <a:fontRef idx="minor">
-            <a:schemeClr val="tx1"/>
-          </a:fontRef>
-        </p:style>
-      </p:cxnSp>
-      <p:sp>
-        <p:nvSpPr>
-          <p:cNvPr id="167" name="TextBox 166"/>
-          <p:cNvSpPr txBox="1"/>
-          <p:nvPr/>
-        </p:nvSpPr>
-        <p:spPr>
-          <a:xfrm>
-            <a:off x="6324600" y="2723385"/>
-            <a:ext cx="957970" cy="293838"/>
-          </a:xfrm>
-          <a:prstGeom prst="rect">
-            <a:avLst/>
-          </a:prstGeom>
-          <a:noFill/>
-        </p:spPr>
-        <p:txBody>
-          <a:bodyPr wrap="none" lIns="138596" tIns="69298" rIns="138596" bIns="69298" rtlCol="0">
-            <a:spAutoFit/>
-          </a:bodyPr>
-          <a:lstStyle/>
-          <a:p>
-            <a:r>
-              <a:rPr lang="en-US" sz="1000" dirty="0" err="1"/>
-              <a:t>tlsio_dowork</a:t>
-            </a:r>
-            <a:endParaRPr lang="en-US" sz="1000" dirty="0"/>
-          </a:p>
-        </p:txBody>
-      </p:sp>
-      <p:cxnSp>
-        <p:nvCxnSpPr>
-          <p:cNvPr id="168" name="Straight Arrow Connector 167"/>
-          <p:cNvCxnSpPr>
-            <a:stCxn id="124" idx="3"/>
-          </p:cNvCxnSpPr>
-          <p:nvPr/>
-        </p:nvCxnSpPr>
-        <p:spPr>
-          <a:xfrm>
-            <a:off x="4505571" y="4300957"/>
-            <a:ext cx="1147084" cy="0"/>
-          </a:xfrm>
-          <a:prstGeom prst="straightConnector1">
-            <a:avLst/>
-          </a:prstGeom>
-          <a:ln w="19050">
-            <a:tailEnd type="none"/>
-          </a:ln>
-        </p:spPr>
-        <p:style>
-          <a:lnRef idx="1">
-            <a:schemeClr val="accent1"/>
-          </a:lnRef>
-          <a:fillRef idx="0">
-            <a:schemeClr val="accent1"/>
-          </a:fillRef>
-          <a:effectRef idx="0">
-            <a:schemeClr val="accent1"/>
-          </a:effectRef>
-          <a:fontRef idx="minor">
-            <a:schemeClr val="tx1"/>
-          </a:fontRef>
-        </p:style>
-      </p:cxnSp>
-      <p:sp>
-        <p:nvSpPr>
-          <p:cNvPr id="169" name="TextBox 168"/>
-          <p:cNvSpPr txBox="1"/>
-          <p:nvPr/>
-        </p:nvSpPr>
-        <p:spPr>
-          <a:xfrm>
-            <a:off x="4581100" y="4037279"/>
-            <a:ext cx="826523" cy="293838"/>
-          </a:xfrm>
-          <a:prstGeom prst="rect">
-            <a:avLst/>
-          </a:prstGeom>
-          <a:noFill/>
-        </p:spPr>
-        <p:txBody>
-          <a:bodyPr wrap="none" lIns="138596" tIns="69298" rIns="138596" bIns="69298" rtlCol="0">
-            <a:spAutoFit/>
-          </a:bodyPr>
-          <a:lstStyle/>
-          <a:p>
-            <a:r>
-              <a:rPr lang="en-US" sz="1000" dirty="0" err="1" smtClean="0"/>
-              <a:t>tlsio_close</a:t>
-            </a:r>
-            <a:endParaRPr lang="en-US" sz="1000" dirty="0"/>
-          </a:p>
-        </p:txBody>
-      </p:sp>
-      <p:cxnSp>
-        <p:nvCxnSpPr>
-          <p:cNvPr id="170" name="Straight Arrow Connector 169"/>
-          <p:cNvCxnSpPr/>
-          <p:nvPr/>
-        </p:nvCxnSpPr>
-        <p:spPr>
-          <a:xfrm flipV="1">
-            <a:off x="5652655" y="2624739"/>
-            <a:ext cx="830738" cy="1676219"/>
-          </a:xfrm>
-          <a:prstGeom prst="straightConnector1">
-            <a:avLst/>
-          </a:prstGeom>
-          <a:ln w="19050">
-            <a:tailEnd type="triangle"/>
-          </a:ln>
-        </p:spPr>
-        <p:style>
-          <a:lnRef idx="1">
-            <a:schemeClr val="accent1"/>
-          </a:lnRef>
-          <a:fillRef idx="0">
-            <a:schemeClr val="accent1"/>
-          </a:fillRef>
-          <a:effectRef idx="0">
-            <a:schemeClr val="accent1"/>
-          </a:effectRef>
-          <a:fontRef idx="minor">
-            <a:schemeClr val="tx1"/>
-          </a:fontRef>
-        </p:style>
-      </p:cxnSp>
-      <p:sp>
-        <p:nvSpPr>
-          <p:cNvPr id="171" name="TextBox 170"/>
-          <p:cNvSpPr txBox="1"/>
-          <p:nvPr/>
-        </p:nvSpPr>
-        <p:spPr>
-          <a:xfrm>
-            <a:off x="294838" y="1340245"/>
-            <a:ext cx="1914962" cy="278449"/>
-          </a:xfrm>
-          <a:prstGeom prst="rect">
-            <a:avLst/>
-          </a:prstGeom>
-          <a:noFill/>
-        </p:spPr>
-        <p:txBody>
-          <a:bodyPr wrap="none" lIns="138596" tIns="69298" rIns="138596" bIns="69298" rtlCol="0">
-            <a:spAutoFit/>
-          </a:bodyPr>
-          <a:lstStyle/>
-          <a:p>
-            <a:r>
-              <a:rPr lang="en-US" sz="900" dirty="0" smtClean="0"/>
-              <a:t>(calls with usage errors not shown)</a:t>
-            </a:r>
-            <a:endParaRPr lang="en-US" sz="900" dirty="0"/>
-          </a:p>
-        </p:txBody>
-      </p:sp>
-      <p:cxnSp>
-        <p:nvCxnSpPr>
-          <p:cNvPr id="172" name="Straight Arrow Connector 171"/>
-          <p:cNvCxnSpPr>
-            <a:endCxn id="124" idx="0"/>
-          </p:cNvCxnSpPr>
-          <p:nvPr/>
-        </p:nvCxnSpPr>
-        <p:spPr>
-          <a:xfrm>
-            <a:off x="4043571" y="2624739"/>
-            <a:ext cx="74073" cy="1462881"/>
+          <a:xfrm flipH="1" flipV="1">
+            <a:off x="3500531" y="3017474"/>
+            <a:ext cx="1143" cy="1157102"/>
           </a:xfrm>
           <a:prstGeom prst="straightConnector1">
             <a:avLst/>
@@ -4968,13 +5089,16 @@
       <p:cxnSp>
         <p:nvCxnSpPr>
           <p:cNvPr id="173" name="Straight Arrow Connector 172"/>
-          <p:cNvCxnSpPr/>
+          <p:cNvCxnSpPr>
+            <a:stCxn id="122" idx="3"/>
+            <a:endCxn id="124" idx="1"/>
+          </p:cNvCxnSpPr>
           <p:nvPr/>
         </p:nvCxnSpPr>
         <p:spPr>
           <a:xfrm>
-            <a:off x="2482809" y="2624739"/>
-            <a:ext cx="1427750" cy="1462881"/>
+            <a:off x="2173984" y="2804137"/>
+            <a:ext cx="1227017" cy="0"/>
           </a:xfrm>
           <a:prstGeom prst="straightConnector1">
             <a:avLst/>
@@ -5009,8 +5133,8 @@
         </p:nvSpPr>
         <p:spPr>
           <a:xfrm>
-            <a:off x="2590800" y="182562"/>
-            <a:ext cx="2286000" cy="369332"/>
+            <a:off x="737641" y="225623"/>
+            <a:ext cx="1700759" cy="307777"/>
           </a:xfrm>
           <a:prstGeom prst="rect">
             <a:avLst/>
@@ -5025,10 +5149,173 @@
           <a:p>
             <a:pPr algn="ctr"/>
             <a:r>
-              <a:rPr lang="en-US" dirty="0" smtClean="0"/>
+              <a:rPr lang="en-US" dirty="0"/>
               <a:t>TLSIO State Diagram</a:t>
             </a:r>
-            <a:endParaRPr lang="en-US" dirty="0"/>
+          </a:p>
+        </p:txBody>
+      </p:sp>
+      <p:cxnSp>
+        <p:nvCxnSpPr>
+          <p:cNvPr id="186" name="Straight Arrow Connector 185"/>
+          <p:cNvCxnSpPr>
+            <a:endCxn id="122" idx="0"/>
+          </p:cNvCxnSpPr>
+          <p:nvPr/>
+        </p:nvCxnSpPr>
+        <p:spPr>
+          <a:xfrm>
+            <a:off x="1796892" y="1533030"/>
+            <a:ext cx="1" cy="1057770"/>
+          </a:xfrm>
+          <a:prstGeom prst="straightConnector1">
+            <a:avLst/>
+          </a:prstGeom>
+          <a:ln w="19050">
+            <a:tailEnd type="none"/>
+          </a:ln>
+        </p:spPr>
+        <p:style>
+          <a:lnRef idx="1">
+            <a:schemeClr val="accent1"/>
+          </a:lnRef>
+          <a:fillRef idx="0">
+            <a:schemeClr val="accent1"/>
+          </a:fillRef>
+          <a:effectRef idx="0">
+            <a:schemeClr val="accent1"/>
+          </a:effectRef>
+          <a:fontRef idx="minor">
+            <a:schemeClr val="tx1"/>
+          </a:fontRef>
+        </p:style>
+      </p:cxnSp>
+      <p:cxnSp>
+        <p:nvCxnSpPr>
+          <p:cNvPr id="194" name="Straight Arrow Connector 193"/>
+          <p:cNvCxnSpPr/>
+          <p:nvPr/>
+        </p:nvCxnSpPr>
+        <p:spPr>
+          <a:xfrm flipH="1">
+            <a:off x="985931" y="4487156"/>
+            <a:ext cx="2415070" cy="8644"/>
+          </a:xfrm>
+          <a:prstGeom prst="straightConnector1">
+            <a:avLst/>
+          </a:prstGeom>
+          <a:ln w="19050">
+            <a:tailEnd type="none"/>
+          </a:ln>
+        </p:spPr>
+        <p:style>
+          <a:lnRef idx="1">
+            <a:schemeClr val="accent1"/>
+          </a:lnRef>
+          <a:fillRef idx="0">
+            <a:schemeClr val="accent1"/>
+          </a:fillRef>
+          <a:effectRef idx="0">
+            <a:schemeClr val="accent1"/>
+          </a:effectRef>
+          <a:fontRef idx="minor">
+            <a:schemeClr val="tx1"/>
+          </a:fontRef>
+        </p:style>
+      </p:cxnSp>
+      <p:cxnSp>
+        <p:nvCxnSpPr>
+          <p:cNvPr id="202" name="Straight Arrow Connector 201"/>
+          <p:cNvCxnSpPr/>
+          <p:nvPr/>
+        </p:nvCxnSpPr>
+        <p:spPr>
+          <a:xfrm>
+            <a:off x="985931" y="1305790"/>
+            <a:ext cx="2405277" cy="0"/>
+          </a:xfrm>
+          <a:prstGeom prst="straightConnector1">
+            <a:avLst/>
+          </a:prstGeom>
+          <a:ln w="19050">
+            <a:tailEnd type="triangle"/>
+          </a:ln>
+        </p:spPr>
+        <p:style>
+          <a:lnRef idx="1">
+            <a:schemeClr val="accent1"/>
+          </a:lnRef>
+          <a:fillRef idx="0">
+            <a:schemeClr val="accent1"/>
+          </a:fillRef>
+          <a:effectRef idx="0">
+            <a:schemeClr val="accent1"/>
+          </a:effectRef>
+          <a:fontRef idx="minor">
+            <a:schemeClr val="tx1"/>
+          </a:fontRef>
+        </p:style>
+      </p:cxnSp>
+      <p:cxnSp>
+        <p:nvCxnSpPr>
+          <p:cNvPr id="204" name="Straight Arrow Connector 203"/>
+          <p:cNvCxnSpPr/>
+          <p:nvPr/>
+        </p:nvCxnSpPr>
+        <p:spPr>
+          <a:xfrm flipH="1">
+            <a:off x="982778" y="1290497"/>
+            <a:ext cx="6642" cy="3205303"/>
+          </a:xfrm>
+          <a:prstGeom prst="straightConnector1">
+            <a:avLst/>
+          </a:prstGeom>
+          <a:ln w="19050">
+            <a:tailEnd type="none"/>
+          </a:ln>
+        </p:spPr>
+        <p:style>
+          <a:lnRef idx="1">
+            <a:schemeClr val="accent1"/>
+          </a:lnRef>
+          <a:fillRef idx="0">
+            <a:schemeClr val="accent1"/>
+          </a:fillRef>
+          <a:effectRef idx="0">
+            <a:schemeClr val="accent1"/>
+          </a:effectRef>
+          <a:fontRef idx="minor">
+            <a:schemeClr val="tx1"/>
+          </a:fontRef>
+        </p:style>
+      </p:cxnSp>
+      <p:sp>
+        <p:nvSpPr>
+          <p:cNvPr id="207" name="TextBox 206"/>
+          <p:cNvSpPr txBox="1"/>
+          <p:nvPr/>
+        </p:nvSpPr>
+        <p:spPr>
+          <a:xfrm>
+            <a:off x="2156752" y="4443766"/>
+            <a:ext cx="826523" cy="293838"/>
+          </a:xfrm>
+          <a:prstGeom prst="rect">
+            <a:avLst/>
+          </a:prstGeom>
+          <a:noFill/>
+        </p:spPr>
+        <p:txBody>
+          <a:bodyPr wrap="none" lIns="138596" tIns="69298" rIns="138596" bIns="69298" rtlCol="0">
+            <a:spAutoFit/>
+          </a:bodyPr>
+          <a:lstStyle/>
+          <a:p>
+            <a:r>
+              <a:rPr lang="en-US" sz="1000" dirty="0" err="1"/>
+              <a:t>tlsio_close</a:t>
+            </a:r>
+            <a:endParaRPr lang="en-US" sz="1000" dirty="0"/>
           </a:p>
         </p:txBody>
       </p:sp>
@@ -5328,4 +5615,299 @@
   <a:objectDefaults/>
   <a:extraClrSchemeLst/>
 </a:theme>
+</file>
+
+<file path=ppt/theme/theme2.xml><?xml version="1.0" encoding="utf-8"?>
+<a:theme xmlns:a="http://schemas.openxmlformats.org/drawingml/2006/main" name="Office Theme">
+  <a:themeElements>
+    <a:clrScheme name="Office">
+      <a:dk1>
+        <a:sysClr val="windowText" lastClr="000000"/>
+      </a:dk1>
+      <a:lt1>
+        <a:sysClr val="window" lastClr="FFFFFF"/>
+      </a:lt1>
+      <a:dk2>
+        <a:srgbClr val="44546A"/>
+      </a:dk2>
+      <a:lt2>
+        <a:srgbClr val="E7E6E6"/>
+      </a:lt2>
+      <a:accent1>
+        <a:srgbClr val="5B9BD5"/>
+      </a:accent1>
+      <a:accent2>
+        <a:srgbClr val="ED7D31"/>
+      </a:accent2>
+      <a:accent3>
+        <a:srgbClr val="A5A5A5"/>
+      </a:accent3>
+      <a:accent4>
+        <a:srgbClr val="FFC000"/>
+      </a:accent4>
+      <a:accent5>
+        <a:srgbClr val="4472C4"/>
+      </a:accent5>
+      <a:accent6>
+        <a:srgbClr val="70AD47"/>
+      </a:accent6>
+      <a:hlink>
+        <a:srgbClr val="0563C1"/>
+      </a:hlink>
+      <a:folHlink>
+        <a:srgbClr val="954F72"/>
+      </a:folHlink>
+    </a:clrScheme>
+    <a:fontScheme name="Office">
+      <a:majorFont>
+        <a:latin typeface="Calibri Light" panose="020F0302020204030204"/>
+        <a:ea typeface=""/>
+        <a:cs typeface=""/>
+        <a:font script="Jpan" typeface="游ゴシック Light"/>
+        <a:font script="Hang" typeface="맑은 고딕"/>
+        <a:font script="Hans" typeface="等线 Light"/>
+        <a:font script="Hant" typeface="新細明體"/>
+        <a:font script="Arab" typeface="Times New Roman"/>
+        <a:font script="Hebr" typeface="Times New Roman"/>
+        <a:font script="Thai" typeface="Angsana New"/>
+        <a:font script="Ethi" typeface="Nyala"/>
+        <a:font script="Beng" typeface="Vrinda"/>
+        <a:font script="Gujr" typeface="Shruti"/>
+        <a:font script="Khmr" typeface="MoolBoran"/>
+        <a:font script="Knda" typeface="Tunga"/>
+        <a:font script="Guru" typeface="Raavi"/>
+        <a:font script="Cans" typeface="Euphemia"/>
+        <a:font script="Cher" typeface="Plantagenet Cherokee"/>
+        <a:font script="Yiii" typeface="Microsoft Yi Baiti"/>
+        <a:font script="Tibt" typeface="Microsoft Himalaya"/>
+        <a:font script="Thaa" typeface="MV Boli"/>
+        <a:font script="Deva" typeface="Mangal"/>
+        <a:font script="Telu" typeface="Gautami"/>
+        <a:font script="Taml" typeface="Latha"/>
+        <a:font script="Syrc" typeface="Estrangelo Edessa"/>
+        <a:font script="Orya" typeface="Kalinga"/>
+        <a:font script="Mlym" typeface="Kartika"/>
+        <a:font script="Laoo" typeface="DokChampa"/>
+        <a:font script="Sinh" typeface="Iskoola Pota"/>
+        <a:font script="Mong" typeface="Mongolian Baiti"/>
+        <a:font script="Viet" typeface="Times New Roman"/>
+        <a:font script="Uigh" typeface="Microsoft Uighur"/>
+        <a:font script="Geor" typeface="Sylfaen"/>
+        <a:font script="Armn" typeface="Arial"/>
+        <a:font script="Bugi" typeface="Leelawadee UI"/>
+        <a:font script="Bopo" typeface="Microsoft JhengHei"/>
+        <a:font script="Java" typeface="Javanese Text"/>
+        <a:font script="Lisu" typeface="Segoe UI"/>
+        <a:font script="Mymr" typeface="Myanmar Text"/>
+        <a:font script="Nkoo" typeface="Ebrima"/>
+        <a:font script="Olck" typeface="Nirmala UI"/>
+        <a:font script="Osma" typeface="Ebrima"/>
+        <a:font script="Phag" typeface="Phagspa"/>
+        <a:font script="Syrn" typeface="Estrangelo Edessa"/>
+        <a:font script="Syrj" typeface="Estrangelo Edessa"/>
+        <a:font script="Syre" typeface="Estrangelo Edessa"/>
+        <a:font script="Sora" typeface="Nirmala UI"/>
+        <a:font script="Tale" typeface="Microsoft Tai Le"/>
+        <a:font script="Talu" typeface="Microsoft New Tai Lue"/>
+        <a:font script="Tfng" typeface="Ebrima"/>
+      </a:majorFont>
+      <a:minorFont>
+        <a:latin typeface="Calibri" panose="020F0502020204030204"/>
+        <a:ea typeface=""/>
+        <a:cs typeface=""/>
+        <a:font script="Jpan" typeface="游ゴシック"/>
+        <a:font script="Hang" typeface="맑은 고딕"/>
+        <a:font script="Hans" typeface="等线"/>
+        <a:font script="Hant" typeface="新細明體"/>
+        <a:font script="Arab" typeface="Arial"/>
+        <a:font script="Hebr" typeface="Arial"/>
+        <a:font script="Thai" typeface="Cordia New"/>
+        <a:font script="Ethi" typeface="Nyala"/>
+        <a:font script="Beng" typeface="Vrinda"/>
+        <a:font script="Gujr" typeface="Shruti"/>
+        <a:font script="Khmr" typeface="DaunPenh"/>
+        <a:font script="Knda" typeface="Tunga"/>
+        <a:font script="Guru" typeface="Raavi"/>
+        <a:font script="Cans" typeface="Euphemia"/>
+        <a:font script="Cher" typeface="Plantagenet Cherokee"/>
+        <a:font script="Yiii" typeface="Microsoft Yi Baiti"/>
+        <a:font script="Tibt" typeface="Microsoft Himalaya"/>
+        <a:font script="Thaa" typeface="MV Boli"/>
+        <a:font script="Deva" typeface="Mangal"/>
+        <a:font script="Telu" typeface="Gautami"/>
+        <a:font script="Taml" typeface="Latha"/>
+        <a:font script="Syrc" typeface="Estrangelo Edessa"/>
+        <a:font script="Orya" typeface="Kalinga"/>
+        <a:font script="Mlym" typeface="Kartika"/>
+        <a:font script="Laoo" typeface="DokChampa"/>
+        <a:font script="Sinh" typeface="Iskoola Pota"/>
+        <a:font script="Mong" typeface="Mongolian Baiti"/>
+        <a:font script="Viet" typeface="Arial"/>
+        <a:font script="Uigh" typeface="Microsoft Uighur"/>
+        <a:font script="Geor" typeface="Sylfaen"/>
+        <a:font script="Armn" typeface="Arial"/>
+        <a:font script="Bugi" typeface="Leelawadee UI"/>
+        <a:font script="Bopo" typeface="Microsoft JhengHei"/>
+        <a:font script="Java" typeface="Javanese Text"/>
+        <a:font script="Lisu" typeface="Segoe UI"/>
+        <a:font script="Mymr" typeface="Myanmar Text"/>
+        <a:font script="Nkoo" typeface="Ebrima"/>
+        <a:font script="Olck" typeface="Nirmala UI"/>
+        <a:font script="Osma" typeface="Ebrima"/>
+        <a:font script="Phag" typeface="Phagspa"/>
+        <a:font script="Syrn" typeface="Estrangelo Edessa"/>
+        <a:font script="Syrj" typeface="Estrangelo Edessa"/>
+        <a:font script="Syre" typeface="Estrangelo Edessa"/>
+        <a:font script="Sora" typeface="Nirmala UI"/>
+        <a:font script="Tale" typeface="Microsoft Tai Le"/>
+        <a:font script="Talu" typeface="Microsoft New Tai Lue"/>
+        <a:font script="Tfng" typeface="Ebrima"/>
+      </a:minorFont>
+    </a:fontScheme>
+    <a:fmtScheme name="Office">
+      <a:fillStyleLst>
+        <a:solidFill>
+          <a:schemeClr val="phClr"/>
+        </a:solidFill>
+        <a:gradFill rotWithShape="1">
+          <a:gsLst>
+            <a:gs pos="0">
+              <a:schemeClr val="phClr">
+                <a:lumMod val="110000"/>
+                <a:satMod val="105000"/>
+                <a:tint val="67000"/>
+              </a:schemeClr>
+            </a:gs>
+            <a:gs pos="50000">
+              <a:schemeClr val="phClr">
+                <a:lumMod val="105000"/>
+                <a:satMod val="103000"/>
+                <a:tint val="73000"/>
+              </a:schemeClr>
+            </a:gs>
+            <a:gs pos="100000">
+              <a:schemeClr val="phClr">
+                <a:lumMod val="105000"/>
+                <a:satMod val="109000"/>
+                <a:tint val="81000"/>
+              </a:schemeClr>
+            </a:gs>
+          </a:gsLst>
+          <a:lin ang="5400000" scaled="0"/>
+        </a:gradFill>
+        <a:gradFill rotWithShape="1">
+          <a:gsLst>
+            <a:gs pos="0">
+              <a:schemeClr val="phClr">
+                <a:satMod val="103000"/>
+                <a:lumMod val="102000"/>
+                <a:tint val="94000"/>
+              </a:schemeClr>
+            </a:gs>
+            <a:gs pos="50000">
+              <a:schemeClr val="phClr">
+                <a:satMod val="110000"/>
+                <a:lumMod val="100000"/>
+                <a:shade val="100000"/>
+              </a:schemeClr>
+            </a:gs>
+            <a:gs pos="100000">
+              <a:schemeClr val="phClr">
+                <a:lumMod val="99000"/>
+                <a:satMod val="120000"/>
+                <a:shade val="78000"/>
+              </a:schemeClr>
+            </a:gs>
+          </a:gsLst>
+          <a:lin ang="5400000" scaled="0"/>
+        </a:gradFill>
+      </a:fillStyleLst>
+      <a:lnStyleLst>
+        <a:ln w="6350" cap="flat" cmpd="sng" algn="ctr">
+          <a:solidFill>
+            <a:schemeClr val="phClr"/>
+          </a:solidFill>
+          <a:prstDash val="solid"/>
+          <a:miter lim="800000"/>
+        </a:ln>
+        <a:ln w="12700" cap="flat" cmpd="sng" algn="ctr">
+          <a:solidFill>
+            <a:schemeClr val="phClr"/>
+          </a:solidFill>
+          <a:prstDash val="solid"/>
+          <a:miter lim="800000"/>
+        </a:ln>
+        <a:ln w="19050" cap="flat" cmpd="sng" algn="ctr">
+          <a:solidFill>
+            <a:schemeClr val="phClr"/>
+          </a:solidFill>
+          <a:prstDash val="solid"/>
+          <a:miter lim="800000"/>
+        </a:ln>
+      </a:lnStyleLst>
+      <a:effectStyleLst>
+        <a:effectStyle>
+          <a:effectLst/>
+        </a:effectStyle>
+        <a:effectStyle>
+          <a:effectLst/>
+        </a:effectStyle>
+        <a:effectStyle>
+          <a:effectLst>
+            <a:outerShdw blurRad="57150" dist="19050" dir="5400000" algn="ctr" rotWithShape="0">
+              <a:srgbClr val="000000">
+                <a:alpha val="63000"/>
+              </a:srgbClr>
+            </a:outerShdw>
+          </a:effectLst>
+        </a:effectStyle>
+      </a:effectStyleLst>
+      <a:bgFillStyleLst>
+        <a:solidFill>
+          <a:schemeClr val="phClr"/>
+        </a:solidFill>
+        <a:solidFill>
+          <a:schemeClr val="phClr">
+            <a:tint val="95000"/>
+            <a:satMod val="170000"/>
+          </a:schemeClr>
+        </a:solidFill>
+        <a:gradFill rotWithShape="1">
+          <a:gsLst>
+            <a:gs pos="0">
+              <a:schemeClr val="phClr">
+                <a:tint val="93000"/>
+                <a:satMod val="150000"/>
+                <a:shade val="98000"/>
+                <a:lumMod val="102000"/>
+              </a:schemeClr>
+            </a:gs>
+            <a:gs pos="50000">
+              <a:schemeClr val="phClr">
+                <a:tint val="98000"/>
+                <a:satMod val="130000"/>
+                <a:shade val="90000"/>
+                <a:lumMod val="103000"/>
+              </a:schemeClr>
+            </a:gs>
+            <a:gs pos="100000">
+              <a:schemeClr val="phClr">
+                <a:shade val="63000"/>
+                <a:satMod val="120000"/>
+              </a:schemeClr>
+            </a:gs>
+          </a:gsLst>
+          <a:lin ang="5400000" scaled="0"/>
+        </a:gradFill>
+      </a:bgFillStyleLst>
+    </a:fmtScheme>
+  </a:themeElements>
+  <a:objectDefaults/>
+  <a:extraClrSchemeLst/>
+  <a:extLst>
+    <a:ext uri="{05A4C25C-085E-4340-85A3-A5531E510DB2}">
+      <thm15:themeFamily xmlns:thm15="http://schemas.microsoft.com/office/thememl/2012/main" name="Office Theme" id="{62F939B6-93AF-4DB8-9C6B-D6C7DFDC589F}" vid="{4A3C46E8-61CC-4603-A589-7422A47A8E4A}"/>
+    </a:ext>
+  </a:extLst>
+</a:theme>
 </file>
--- a/devdoc/img_src/tlsio_state_diagram.pptx
+++ b/devdoc/img_src/tlsio_state_diagram.pptx
@@ -109,7 +109,7 @@
   </p:defaultTextStyle>
   <p:extLst>
     <p:ext uri="{EFAFB233-063F-42B5-8137-9DF3F51BA10A}">
-      <p15:sldGuideLst xmlns:p15="http://schemas.microsoft.com/office/powerpoint/2012/main">
+      <p15:sldGuideLst xmlns:p15="http://schemas.microsoft.com/office/powerpoint/2012/main" xmlns="">
         <p15:guide id="1" orient="horz" pos="1584">
           <p15:clr>
             <a:srgbClr val="A4A3A4"/>
@@ -208,7 +208,7 @@
           <a:p>
             <a:fld id="{2371847F-0A10-4AA3-BD19-742881361DEA}" type="datetimeFigureOut">
               <a:rPr lang="en-US" smtClean="0"/>
-              <a:t>6/2/2017</a:t>
+              <a:t>6/7/2017</a:t>
             </a:fld>
             <a:endParaRPr lang="en-US"/>
           </a:p>
@@ -303,7 +303,6 @@
               <a:rPr lang="en-US"/>
               <a:t>Fifth level</a:t>
             </a:r>
-            <a:endParaRPr lang="en-US"/>
           </a:p>
         </p:txBody>
       </p:sp>
@@ -739,7 +738,7 @@
           <a:p>
             <a:fld id="{A1593028-A0CA-48C1-B651-1C34254183FB}" type="datetimeFigureOut">
               <a:rPr lang="en-US" smtClean="0"/>
-              <a:t>6/2/2017</a:t>
+              <a:t>6/7/2017</a:t>
             </a:fld>
             <a:endParaRPr lang="en-US"/>
           </a:p>
@@ -907,7 +906,7 @@
           <a:p>
             <a:fld id="{A1593028-A0CA-48C1-B651-1C34254183FB}" type="datetimeFigureOut">
               <a:rPr lang="en-US" smtClean="0"/>
-              <a:t>6/2/2017</a:t>
+              <a:t>6/7/2017</a:t>
             </a:fld>
             <a:endParaRPr lang="en-US"/>
           </a:p>
@@ -1085,7 +1084,7 @@
           <a:p>
             <a:fld id="{A1593028-A0CA-48C1-B651-1C34254183FB}" type="datetimeFigureOut">
               <a:rPr lang="en-US" smtClean="0"/>
-              <a:t>6/2/2017</a:t>
+              <a:t>6/7/2017</a:t>
             </a:fld>
             <a:endParaRPr lang="en-US"/>
           </a:p>
@@ -1253,7 +1252,7 @@
           <a:p>
             <a:fld id="{A1593028-A0CA-48C1-B651-1C34254183FB}" type="datetimeFigureOut">
               <a:rPr lang="en-US" smtClean="0"/>
-              <a:t>6/2/2017</a:t>
+              <a:t>6/7/2017</a:t>
             </a:fld>
             <a:endParaRPr lang="en-US"/>
           </a:p>
@@ -1498,7 +1497,7 @@
           <a:p>
             <a:fld id="{A1593028-A0CA-48C1-B651-1C34254183FB}" type="datetimeFigureOut">
               <a:rPr lang="en-US" smtClean="0"/>
-              <a:t>6/2/2017</a:t>
+              <a:t>6/7/2017</a:t>
             </a:fld>
             <a:endParaRPr lang="en-US"/>
           </a:p>
@@ -1783,7 +1782,7 @@
           <a:p>
             <a:fld id="{A1593028-A0CA-48C1-B651-1C34254183FB}" type="datetimeFigureOut">
               <a:rPr lang="en-US" smtClean="0"/>
-              <a:t>6/2/2017</a:t>
+              <a:t>6/7/2017</a:t>
             </a:fld>
             <a:endParaRPr lang="en-US"/>
           </a:p>
@@ -2207,7 +2206,7 @@
           <a:p>
             <a:fld id="{A1593028-A0CA-48C1-B651-1C34254183FB}" type="datetimeFigureOut">
               <a:rPr lang="en-US" smtClean="0"/>
-              <a:t>6/2/2017</a:t>
+              <a:t>6/7/2017</a:t>
             </a:fld>
             <a:endParaRPr lang="en-US"/>
           </a:p>
@@ -2324,7 +2323,7 @@
           <a:p>
             <a:fld id="{A1593028-A0CA-48C1-B651-1C34254183FB}" type="datetimeFigureOut">
               <a:rPr lang="en-US" smtClean="0"/>
-              <a:t>6/2/2017</a:t>
+              <a:t>6/7/2017</a:t>
             </a:fld>
             <a:endParaRPr lang="en-US"/>
           </a:p>
@@ -2419,7 +2418,7 @@
           <a:p>
             <a:fld id="{A1593028-A0CA-48C1-B651-1C34254183FB}" type="datetimeFigureOut">
               <a:rPr lang="en-US" smtClean="0"/>
-              <a:t>6/2/2017</a:t>
+              <a:t>6/7/2017</a:t>
             </a:fld>
             <a:endParaRPr lang="en-US"/>
           </a:p>
@@ -2694,7 +2693,7 @@
           <a:p>
             <a:fld id="{A1593028-A0CA-48C1-B651-1C34254183FB}" type="datetimeFigureOut">
               <a:rPr lang="en-US" smtClean="0"/>
-              <a:t>6/2/2017</a:t>
+              <a:t>6/7/2017</a:t>
             </a:fld>
             <a:endParaRPr lang="en-US"/>
           </a:p>
@@ -2946,7 +2945,7 @@
           <a:p>
             <a:fld id="{A1593028-A0CA-48C1-B651-1C34254183FB}" type="datetimeFigureOut">
               <a:rPr lang="en-US" smtClean="0"/>
-              <a:t>6/2/2017</a:t>
+              <a:t>6/7/2017</a:t>
             </a:fld>
             <a:endParaRPr lang="en-US"/>
           </a:p>
@@ -3157,7 +3156,7 @@
           <a:p>
             <a:fld id="{A1593028-A0CA-48C1-B651-1C34254183FB}" type="datetimeFigureOut">
               <a:rPr lang="en-US" smtClean="0"/>
-              <a:t>6/2/2017</a:t>
+              <a:t>6/7/2017</a:t>
             </a:fld>
             <a:endParaRPr lang="en-US"/>
           </a:p>
@@ -3540,7 +3539,7 @@
         </p:nvSpPr>
         <p:spPr>
           <a:xfrm>
-            <a:off x="3533161" y="3135162"/>
+            <a:off x="3685561" y="3135162"/>
             <a:ext cx="957970" cy="293838"/>
           </a:xfrm>
           <a:prstGeom prst="rect">
@@ -3570,8 +3569,8 @@
         </p:nvSpPr>
         <p:spPr>
           <a:xfrm>
-            <a:off x="1896423" y="3768571"/>
-            <a:ext cx="1440313" cy="416948"/>
+            <a:off x="2048823" y="3768571"/>
+            <a:ext cx="1494785" cy="416948"/>
           </a:xfrm>
           <a:prstGeom prst="rect">
             <a:avLst/>
@@ -3586,7 +3585,15 @@
           <a:p>
             <a:r>
               <a:rPr lang="en-US" sz="900" dirty="0"/>
-              <a:t>(adapters with synchronous close only)</a:t>
+              <a:t>(adapters with </a:t>
+            </a:r>
+            <a:r>
+              <a:rPr lang="en-US" sz="900" dirty="0" smtClean="0"/>
+              <a:t>asynchronous </a:t>
+            </a:r>
+            <a:r>
+              <a:rPr lang="en-US" sz="900" dirty="0"/>
+              <a:t>close only)</a:t>
             </a:r>
           </a:p>
         </p:txBody>
@@ -3599,7 +3606,7 @@
         </p:nvSpPr>
         <p:spPr>
           <a:xfrm>
-            <a:off x="3401001" y="1173526"/>
+            <a:off x="3553401" y="1173526"/>
             <a:ext cx="775855" cy="426674"/>
           </a:xfrm>
           <a:prstGeom prst="roundRect">
@@ -3642,7 +3649,7 @@
         </p:nvSpPr>
         <p:spPr>
           <a:xfrm>
-            <a:off x="5329331" y="2590800"/>
+            <a:off x="5481731" y="2590800"/>
             <a:ext cx="888467" cy="426674"/>
           </a:xfrm>
           <a:prstGeom prst="roundRect">
@@ -3685,7 +3692,7 @@
         </p:nvSpPr>
         <p:spPr>
           <a:xfrm>
-            <a:off x="1419801" y="2590800"/>
+            <a:off x="1572201" y="2590800"/>
             <a:ext cx="754183" cy="426674"/>
           </a:xfrm>
           <a:prstGeom prst="roundRect">
@@ -3728,7 +3735,7 @@
         </p:nvSpPr>
         <p:spPr>
           <a:xfrm>
-            <a:off x="3401000" y="4174576"/>
+            <a:off x="3553400" y="4174576"/>
             <a:ext cx="777240" cy="426674"/>
           </a:xfrm>
           <a:prstGeom prst="roundRect">
@@ -3771,7 +3778,7 @@
         </p:nvSpPr>
         <p:spPr>
           <a:xfrm>
-            <a:off x="3401001" y="2590800"/>
+            <a:off x="3553401" y="2590800"/>
             <a:ext cx="775855" cy="426674"/>
           </a:xfrm>
           <a:prstGeom prst="roundRect">
@@ -3816,7 +3823,7 @@
         </p:nvCxnSpPr>
         <p:spPr>
           <a:xfrm flipV="1">
-            <a:off x="1796891" y="3017474"/>
+            <a:off x="1949291" y="3017474"/>
             <a:ext cx="2" cy="1249726"/>
           </a:xfrm>
           <a:prstGeom prst="straightConnector1">
@@ -3849,7 +3856,7 @@
         </p:nvCxnSpPr>
         <p:spPr>
           <a:xfrm>
-            <a:off x="1796892" y="1524000"/>
+            <a:off x="1949292" y="1524000"/>
             <a:ext cx="1604109" cy="0"/>
           </a:xfrm>
           <a:prstGeom prst="straightConnector1">
@@ -3884,7 +3891,7 @@
         </p:nvCxnSpPr>
         <p:spPr>
           <a:xfrm flipH="1">
-            <a:off x="5773565" y="1380176"/>
+            <a:off x="5925965" y="1380176"/>
             <a:ext cx="18236" cy="1210624"/>
           </a:xfrm>
           <a:prstGeom prst="straightConnector1">
@@ -3920,7 +3927,7 @@
         </p:nvCxnSpPr>
         <p:spPr>
           <a:xfrm flipV="1">
-            <a:off x="3788929" y="1600200"/>
+            <a:off x="3941329" y="1600200"/>
             <a:ext cx="0" cy="990600"/>
           </a:xfrm>
           <a:prstGeom prst="straightConnector1">
@@ -3956,7 +3963,7 @@
         </p:nvCxnSpPr>
         <p:spPr>
           <a:xfrm flipH="1">
-            <a:off x="4176856" y="2804137"/>
+            <a:off x="4329256" y="2804137"/>
             <a:ext cx="1152475" cy="0"/>
           </a:xfrm>
           <a:prstGeom prst="straightConnector1">
@@ -3992,7 +3999,7 @@
         </p:nvCxnSpPr>
         <p:spPr>
           <a:xfrm flipV="1">
-            <a:off x="6553200" y="320051"/>
+            <a:off x="6486962" y="320051"/>
             <a:ext cx="457200" cy="0"/>
           </a:xfrm>
           <a:prstGeom prst="straightConnector1">
@@ -4028,7 +4035,7 @@
         </p:nvSpPr>
         <p:spPr>
           <a:xfrm>
-            <a:off x="4793673" y="152400"/>
+            <a:off x="4727435" y="152400"/>
             <a:ext cx="1782041" cy="324615"/>
           </a:xfrm>
           <a:prstGeom prst="rect">
@@ -4065,7 +4072,7 @@
         </p:nvCxnSpPr>
         <p:spPr>
           <a:xfrm flipV="1">
-            <a:off x="6544319" y="538094"/>
+            <a:off x="6478081" y="538094"/>
             <a:ext cx="457200" cy="0"/>
           </a:xfrm>
           <a:prstGeom prst="straightConnector1">
@@ -4098,7 +4105,7 @@
         </p:nvSpPr>
         <p:spPr>
           <a:xfrm>
-            <a:off x="5334002" y="365754"/>
+            <a:off x="5267764" y="365754"/>
             <a:ext cx="1216566" cy="324615"/>
           </a:xfrm>
           <a:prstGeom prst="rect">
@@ -4127,8 +4134,8 @@
         </p:nvSpPr>
         <p:spPr>
           <a:xfrm>
-            <a:off x="4441921" y="1158871"/>
-            <a:ext cx="828126" cy="293838"/>
+            <a:off x="4594321" y="1158871"/>
+            <a:ext cx="1182390" cy="293838"/>
           </a:xfrm>
           <a:prstGeom prst="rect">
             <a:avLst/>
@@ -4142,8 +4149,8 @@
           <a:lstStyle/>
           <a:p>
             <a:r>
-              <a:rPr lang="en-US" sz="1000" dirty="0" err="1"/>
-              <a:t>tlsio_open</a:t>
+              <a:rPr lang="en-US" sz="1000" dirty="0" err="1" smtClean="0"/>
+              <a:t>tlsio_open_async</a:t>
             </a:r>
             <a:endParaRPr lang="en-US" sz="1000" dirty="0"/>
           </a:p>
@@ -4157,7 +4164,7 @@
         </p:nvSpPr>
         <p:spPr>
           <a:xfrm>
-            <a:off x="4622473" y="4140909"/>
+            <a:off x="4774873" y="4140909"/>
             <a:ext cx="957970" cy="293838"/>
           </a:xfrm>
           <a:prstGeom prst="rect">
@@ -4187,8 +4194,8 @@
         </p:nvSpPr>
         <p:spPr>
           <a:xfrm>
-            <a:off x="2181302" y="4038600"/>
-            <a:ext cx="826523" cy="293838"/>
+            <a:off x="2209800" y="4038600"/>
+            <a:ext cx="1180787" cy="293838"/>
           </a:xfrm>
           <a:prstGeom prst="rect">
             <a:avLst/>
@@ -4203,7 +4210,7 @@
           <a:p>
             <a:r>
               <a:rPr lang="en-US" sz="1000" dirty="0" err="1"/>
-              <a:t>tlsio_close</a:t>
+              <a:t>tlsio_close_async</a:t>
             </a:r>
             <a:endParaRPr lang="en-US" sz="1000" dirty="0"/>
           </a:p>
@@ -4217,7 +4224,7 @@
         </p:nvSpPr>
         <p:spPr>
           <a:xfrm>
-            <a:off x="1024306" y="4598351"/>
+            <a:off x="1416370" y="4598351"/>
             <a:ext cx="2165030" cy="278449"/>
           </a:xfrm>
           <a:prstGeom prst="rect">
@@ -4233,7 +4240,15 @@
           <a:p>
             <a:r>
               <a:rPr lang="en-US" sz="900" dirty="0"/>
-              <a:t>(adapters with asynchronous close only)</a:t>
+              <a:t>(adapters with </a:t>
+            </a:r>
+            <a:r>
+              <a:rPr lang="en-US" sz="900" dirty="0" smtClean="0"/>
+              <a:t>synchronous </a:t>
+            </a:r>
+            <a:r>
+              <a:rPr lang="en-US" sz="900" dirty="0"/>
+              <a:t>close only)</a:t>
             </a:r>
           </a:p>
         </p:txBody>
@@ -4246,7 +4261,7 @@
         </p:nvCxnSpPr>
         <p:spPr>
           <a:xfrm flipH="1" flipV="1">
-            <a:off x="1796892" y="4267200"/>
+            <a:off x="1949292" y="4267200"/>
             <a:ext cx="1604108" cy="1"/>
           </a:xfrm>
           <a:prstGeom prst="straightConnector1">
@@ -4281,7 +4296,7 @@
         </p:nvCxnSpPr>
         <p:spPr>
           <a:xfrm>
-            <a:off x="4176856" y="1386863"/>
+            <a:off x="4329256" y="1386863"/>
             <a:ext cx="1614945" cy="0"/>
           </a:xfrm>
           <a:prstGeom prst="straightConnector1">
@@ -4314,7 +4329,7 @@
         </p:nvCxnSpPr>
         <p:spPr>
           <a:xfrm>
-            <a:off x="6217797" y="2667000"/>
+            <a:off x="6370197" y="2667000"/>
             <a:ext cx="182880" cy="0"/>
           </a:xfrm>
           <a:prstGeom prst="straightConnector1">
@@ -4347,7 +4362,7 @@
         </p:nvCxnSpPr>
         <p:spPr>
           <a:xfrm flipH="1" flipV="1">
-            <a:off x="6217797" y="2889631"/>
+            <a:off x="6370197" y="2889631"/>
             <a:ext cx="182880" cy="0"/>
           </a:xfrm>
           <a:prstGeom prst="straightConnector1">
@@ -4380,7 +4395,7 @@
         </p:nvCxnSpPr>
         <p:spPr>
           <a:xfrm flipH="1">
-            <a:off x="6400677" y="2667000"/>
+            <a:off x="6553077" y="2667000"/>
             <a:ext cx="1" cy="222631"/>
           </a:xfrm>
           <a:prstGeom prst="straightConnector1">
@@ -4413,7 +4428,7 @@
         </p:nvSpPr>
         <p:spPr>
           <a:xfrm>
-            <a:off x="6128630" y="2405580"/>
+            <a:off x="6281030" y="2405580"/>
             <a:ext cx="957970" cy="293838"/>
           </a:xfrm>
           <a:prstGeom prst="rect">
@@ -4443,7 +4458,7 @@
         </p:nvCxnSpPr>
         <p:spPr>
           <a:xfrm flipH="1" flipV="1">
-            <a:off x="3701830" y="3017520"/>
+            <a:off x="3854230" y="3017520"/>
             <a:ext cx="2041" cy="182880"/>
           </a:xfrm>
           <a:prstGeom prst="straightConnector1">
@@ -4476,7 +4491,7 @@
         </p:nvCxnSpPr>
         <p:spPr>
           <a:xfrm flipH="1" flipV="1">
-            <a:off x="4051025" y="3017520"/>
+            <a:off x="4203425" y="3017520"/>
             <a:ext cx="1" cy="182880"/>
           </a:xfrm>
           <a:prstGeom prst="straightConnector1">
@@ -4509,7 +4524,7 @@
         </p:nvCxnSpPr>
         <p:spPr>
           <a:xfrm flipH="1">
-            <a:off x="3701830" y="3191117"/>
+            <a:off x="3854230" y="3191117"/>
             <a:ext cx="349195" cy="0"/>
           </a:xfrm>
           <a:prstGeom prst="straightConnector1">
@@ -4542,7 +4557,7 @@
         </p:nvCxnSpPr>
         <p:spPr>
           <a:xfrm flipH="1" flipV="1">
-            <a:off x="3621279" y="975059"/>
+            <a:off x="3773679" y="975059"/>
             <a:ext cx="2041" cy="198467"/>
           </a:xfrm>
           <a:prstGeom prst="straightConnector1">
@@ -4575,7 +4590,7 @@
         </p:nvCxnSpPr>
         <p:spPr>
           <a:xfrm>
-            <a:off x="3984997" y="975059"/>
+            <a:off x="4137397" y="975059"/>
             <a:ext cx="0" cy="198467"/>
           </a:xfrm>
           <a:prstGeom prst="straightConnector1">
@@ -4608,7 +4623,7 @@
         </p:nvCxnSpPr>
         <p:spPr>
           <a:xfrm flipH="1">
-            <a:off x="3621279" y="975059"/>
+            <a:off x="3773679" y="975059"/>
             <a:ext cx="363718" cy="0"/>
           </a:xfrm>
           <a:prstGeom prst="straightConnector1">
@@ -4641,7 +4656,7 @@
         </p:nvSpPr>
         <p:spPr>
           <a:xfrm>
-            <a:off x="3297916" y="685800"/>
+            <a:off x="3450316" y="685800"/>
             <a:ext cx="957970" cy="293838"/>
           </a:xfrm>
           <a:prstGeom prst="rect">
@@ -4671,7 +4686,7 @@
         </p:nvCxnSpPr>
         <p:spPr>
           <a:xfrm flipH="1" flipV="1">
-            <a:off x="3568641" y="4590494"/>
+            <a:off x="3721041" y="4590494"/>
             <a:ext cx="2041" cy="182880"/>
           </a:xfrm>
           <a:prstGeom prst="straightConnector1">
@@ -4704,7 +4719,7 @@
         </p:nvCxnSpPr>
         <p:spPr>
           <a:xfrm flipV="1">
-            <a:off x="3934401" y="4590494"/>
+            <a:off x="4086801" y="4590494"/>
             <a:ext cx="0" cy="182880"/>
           </a:xfrm>
           <a:prstGeom prst="straightConnector1">
@@ -4737,7 +4752,7 @@
         </p:nvCxnSpPr>
         <p:spPr>
           <a:xfrm flipH="1">
-            <a:off x="3570683" y="4773374"/>
+            <a:off x="3723083" y="4773374"/>
             <a:ext cx="363718" cy="0"/>
           </a:xfrm>
           <a:prstGeom prst="straightConnector1">
@@ -4770,7 +4785,7 @@
         </p:nvSpPr>
         <p:spPr>
           <a:xfrm>
-            <a:off x="3281231" y="4735362"/>
+            <a:off x="3433631" y="4735362"/>
             <a:ext cx="957970" cy="293838"/>
           </a:xfrm>
           <a:prstGeom prst="rect">
@@ -4800,7 +4815,7 @@
         </p:nvCxnSpPr>
         <p:spPr>
           <a:xfrm flipH="1" flipV="1">
-            <a:off x="1231105" y="2907042"/>
+            <a:off x="1383505" y="2907042"/>
             <a:ext cx="182880" cy="0"/>
           </a:xfrm>
           <a:prstGeom prst="straightConnector1">
@@ -4833,7 +4848,7 @@
         </p:nvCxnSpPr>
         <p:spPr>
           <a:xfrm flipV="1">
-            <a:off x="1235566" y="2706044"/>
+            <a:off x="1387966" y="2706044"/>
             <a:ext cx="182880" cy="0"/>
           </a:xfrm>
           <a:prstGeom prst="straightConnector1">
@@ -4866,7 +4881,7 @@
         </p:nvCxnSpPr>
         <p:spPr>
           <a:xfrm>
-            <a:off x="1231105" y="2706044"/>
+            <a:off x="1383505" y="2706044"/>
             <a:ext cx="0" cy="200998"/>
           </a:xfrm>
           <a:prstGeom prst="straightConnector1">
@@ -4899,7 +4914,7 @@
         </p:nvSpPr>
         <p:spPr>
           <a:xfrm>
-            <a:off x="2110169" y="1306362"/>
+            <a:off x="2262569" y="1306362"/>
             <a:ext cx="957970" cy="293838"/>
           </a:xfrm>
           <a:prstGeom prst="rect">
@@ -4931,7 +4946,7 @@
         </p:nvCxnSpPr>
         <p:spPr>
           <a:xfrm flipH="1">
-            <a:off x="5773564" y="3017474"/>
+            <a:off x="5925964" y="3017474"/>
             <a:ext cx="1" cy="1351428"/>
           </a:xfrm>
           <a:prstGeom prst="straightConnector1">
@@ -4964,8 +4979,8 @@
         </p:nvSpPr>
         <p:spPr>
           <a:xfrm>
-            <a:off x="3844425" y="1898920"/>
-            <a:ext cx="826523" cy="293838"/>
+            <a:off x="3996825" y="1898920"/>
+            <a:ext cx="1180787" cy="293838"/>
           </a:xfrm>
           <a:prstGeom prst="rect">
             <a:avLst/>
@@ -4979,8 +4994,8 @@
           <a:lstStyle/>
           <a:p>
             <a:r>
-              <a:rPr lang="en-US" sz="1000" dirty="0" err="1"/>
-              <a:t>tlsio_close</a:t>
+              <a:rPr lang="en-US" sz="1000" dirty="0" err="1" smtClean="0"/>
+              <a:t>tlsio_close_async</a:t>
             </a:r>
             <a:endParaRPr lang="en-US" sz="1000" dirty="0"/>
           </a:p>
@@ -4996,7 +5011,7 @@
         </p:nvCxnSpPr>
         <p:spPr>
           <a:xfrm flipH="1">
-            <a:off x="4178240" y="4368902"/>
+            <a:off x="4330640" y="4368902"/>
             <a:ext cx="1595324" cy="0"/>
           </a:xfrm>
           <a:prstGeom prst="straightConnector1">
@@ -5029,7 +5044,7 @@
         </p:nvSpPr>
         <p:spPr>
           <a:xfrm>
-            <a:off x="4638238" y="609600"/>
+            <a:off x="4572000" y="609600"/>
             <a:ext cx="1914962" cy="278449"/>
           </a:xfrm>
           <a:prstGeom prst="rect">
@@ -5058,7 +5073,7 @@
         </p:nvCxnSpPr>
         <p:spPr>
           <a:xfrm flipH="1" flipV="1">
-            <a:off x="3500531" y="3017474"/>
+            <a:off x="3652931" y="3017474"/>
             <a:ext cx="1143" cy="1157102"/>
           </a:xfrm>
           <a:prstGeom prst="straightConnector1">
@@ -5097,7 +5112,7 @@
         </p:nvCxnSpPr>
         <p:spPr>
           <a:xfrm>
-            <a:off x="2173984" y="2804137"/>
+            <a:off x="2326384" y="2804137"/>
             <a:ext cx="1227017" cy="0"/>
           </a:xfrm>
           <a:prstGeom prst="straightConnector1">
@@ -5133,7 +5148,7 @@
         </p:nvSpPr>
         <p:spPr>
           <a:xfrm>
-            <a:off x="737641" y="225623"/>
+            <a:off x="585241" y="225623"/>
             <a:ext cx="1700759" cy="307777"/>
           </a:xfrm>
           <a:prstGeom prst="rect">
@@ -5165,7 +5180,7 @@
         </p:nvCxnSpPr>
         <p:spPr>
           <a:xfrm>
-            <a:off x="1796892" y="1533030"/>
+            <a:off x="1949292" y="1533030"/>
             <a:ext cx="1" cy="1057770"/>
           </a:xfrm>
           <a:prstGeom prst="straightConnector1">
@@ -5198,8 +5213,8 @@
         </p:nvCxnSpPr>
         <p:spPr>
           <a:xfrm flipH="1">
-            <a:off x="985931" y="4487156"/>
-            <a:ext cx="2415070" cy="8644"/>
+            <a:off x="685800" y="4487156"/>
+            <a:ext cx="2867602" cy="8644"/>
           </a:xfrm>
           <a:prstGeom prst="straightConnector1">
             <a:avLst/>
@@ -5230,9 +5245,9 @@
           <p:nvPr/>
         </p:nvCxnSpPr>
         <p:spPr>
-          <a:xfrm>
-            <a:off x="985931" y="1305790"/>
-            <a:ext cx="2405277" cy="0"/>
+          <a:xfrm flipV="1">
+            <a:off x="692442" y="1305790"/>
+            <a:ext cx="2851166" cy="572"/>
           </a:xfrm>
           <a:prstGeom prst="straightConnector1">
             <a:avLst/>
@@ -5264,7 +5279,7 @@
         </p:nvCxnSpPr>
         <p:spPr>
           <a:xfrm flipH="1">
-            <a:off x="982778" y="1290497"/>
+            <a:off x="685800" y="1290497"/>
             <a:ext cx="6642" cy="3205303"/>
           </a:xfrm>
           <a:prstGeom prst="straightConnector1">
@@ -5297,8 +5312,8 @@
         </p:nvSpPr>
         <p:spPr>
           <a:xfrm>
-            <a:off x="2156752" y="4443766"/>
-            <a:ext cx="826523" cy="293838"/>
+            <a:off x="2209800" y="4443766"/>
+            <a:ext cx="1180787" cy="293838"/>
           </a:xfrm>
           <a:prstGeom prst="rect">
             <a:avLst/>
@@ -5313,7 +5328,37 @@
           <a:p>
             <a:r>
               <a:rPr lang="en-US" sz="1000" dirty="0" err="1"/>
-              <a:t>tlsio_close</a:t>
+              <a:t>tlsio_close_async</a:t>
+            </a:r>
+            <a:endParaRPr lang="en-US" sz="1000" dirty="0"/>
+          </a:p>
+        </p:txBody>
+      </p:sp>
+      <p:sp>
+        <p:nvSpPr>
+          <p:cNvPr id="57" name="TextBox 56"/>
+          <p:cNvSpPr txBox="1"/>
+          <p:nvPr/>
+        </p:nvSpPr>
+        <p:spPr>
+          <a:xfrm>
+            <a:off x="685800" y="2438400"/>
+            <a:ext cx="957970" cy="293838"/>
+          </a:xfrm>
+          <a:prstGeom prst="rect">
+            <a:avLst/>
+          </a:prstGeom>
+          <a:noFill/>
+        </p:spPr>
+        <p:txBody>
+          <a:bodyPr wrap="none" lIns="138596" tIns="69298" rIns="138596" bIns="69298" rtlCol="0">
+            <a:spAutoFit/>
+          </a:bodyPr>
+          <a:lstStyle/>
+          <a:p>
+            <a:r>
+              <a:rPr lang="en-US" sz="1000" dirty="0" err="1"/>
+              <a:t>tlsio_dowork</a:t>
             </a:r>
             <a:endParaRPr lang="en-US" sz="1000" dirty="0"/>
           </a:p>
@@ -5906,7 +5951,7 @@
   <a:extraClrSchemeLst/>
   <a:extLst>
     <a:ext uri="{05A4C25C-085E-4340-85A3-A5531E510DB2}">
-      <thm15:themeFamily xmlns:thm15="http://schemas.microsoft.com/office/thememl/2012/main" name="Office Theme" id="{62F939B6-93AF-4DB8-9C6B-D6C7DFDC589F}" vid="{4A3C46E8-61CC-4603-A589-7422A47A8E4A}"/>
+      <thm15:themeFamily xmlns:thm15="http://schemas.microsoft.com/office/thememl/2012/main" xmlns="" name="Office Theme" id="{62F939B6-93AF-4DB8-9C6B-D6C7DFDC589F}" vid="{4A3C46E8-61CC-4603-A589-7422A47A8E4A}"/>
     </a:ext>
   </a:extLst>
 </a:theme>
